--- a/lectures/DL-Session04.pptx
+++ b/lectures/DL-Session04.pptx
@@ -31,6 +31,7 @@
     <p:sldId id="384" r:id="rId25"/>
     <p:sldId id="386" r:id="rId26"/>
     <p:sldId id="385" r:id="rId27"/>
+    <p:sldId id="387" r:id="rId28"/>
   </p:sldIdLst>
   <p:sldSz cx="12192000" cy="6858000"/>
   <p:notesSz cx="6858000" cy="9144000"/>
@@ -142,7 +143,7 @@
   <p1510:revLst>
     <p1510:client id="{246D3490-0678-8913-0B87-F5551F5BA97B}" v="709" dt="2024-09-26T11:00:23.794"/>
     <p1510:client id="{AEC5B560-211D-F632-020A-DAABF0B6B21B}" v="421" dt="2024-09-25T21:04:03.104"/>
-    <p1510:client id="{E2F98A2A-5AAD-3D58-E8CB-C0FACECADC7A}" v="784" dt="2024-09-24T15:12:18.400"/>
+    <p1510:client id="{C3C08B1F-3C4A-F814-B940-708D9715DBBA}" v="53" dt="2024-09-26T20:09:25.226"/>
   </p1510:revLst>
 </p1510:revInfo>
 </file>
@@ -16697,6 +16698,720 @@
 </p:sld>
 </file>
 
+<file path=ppt/slides/slide27.xml><?xml version="1.0" encoding="utf-8"?>
+<p:sld xmlns:a="http://schemas.openxmlformats.org/drawingml/2006/main" xmlns:r="http://schemas.openxmlformats.org/officeDocument/2006/relationships" xmlns:p="http://schemas.openxmlformats.org/presentationml/2006/main">
+  <p:cSld>
+    <p:spTree>
+      <p:nvGrpSpPr>
+        <p:cNvPr id="1" name=""/>
+        <p:cNvGrpSpPr/>
+        <p:nvPr/>
+      </p:nvGrpSpPr>
+      <p:grpSpPr>
+        <a:xfrm>
+          <a:off x="0" y="0"/>
+          <a:ext cx="0" cy="0"/>
+          <a:chOff x="0" y="0"/>
+          <a:chExt cx="0" cy="0"/>
+        </a:xfrm>
+      </p:grpSpPr>
+      <p:sp>
+        <p:nvSpPr>
+          <p:cNvPr id="2" name="Título 1">
+            <a:extLst>
+              <a:ext uri="{FF2B5EF4-FFF2-40B4-BE49-F238E27FC236}">
+                <a16:creationId xmlns:a16="http://schemas.microsoft.com/office/drawing/2014/main" id="{4D56E20A-6DB5-4A6B-9EEB-FA9732C72527}"/>
+              </a:ext>
+            </a:extLst>
+          </p:cNvPr>
+          <p:cNvSpPr>
+            <a:spLocks noGrp="1"/>
+          </p:cNvSpPr>
+          <p:nvPr>
+            <p:ph type="title"/>
+          </p:nvPr>
+        </p:nvSpPr>
+        <p:spPr>
+          <a:xfrm>
+            <a:off x="170048" y="-177"/>
+            <a:ext cx="10515600" cy="1325563"/>
+          </a:xfrm>
+        </p:spPr>
+        <p:txBody>
+          <a:bodyPr>
+            <a:normAutofit/>
+          </a:bodyPr>
+          <a:lstStyle/>
+          <a:p>
+            <a:r>
+              <a:rPr lang="pt-PT" sz="3600" b="1" dirty="0" err="1">
+                <a:solidFill>
+                  <a:srgbClr val="092953"/>
+                </a:solidFill>
+                <a:latin typeface="Cambria"/>
+                <a:ea typeface="Cambria"/>
+              </a:rPr>
+              <a:t>Exercise</a:t>
+            </a:r>
+          </a:p>
+        </p:txBody>
+      </p:sp>
+      <p:sp>
+        <p:nvSpPr>
+          <p:cNvPr id="3" name="Marcador de Posição de Conteúdo 2">
+            <a:extLst>
+              <a:ext uri="{FF2B5EF4-FFF2-40B4-BE49-F238E27FC236}">
+                <a16:creationId xmlns:a16="http://schemas.microsoft.com/office/drawing/2014/main" id="{1B32614E-E287-1059-727D-571681FEAF1D}"/>
+              </a:ext>
+            </a:extLst>
+          </p:cNvPr>
+          <p:cNvSpPr>
+            <a:spLocks noGrp="1"/>
+          </p:cNvSpPr>
+          <p:nvPr>
+            <p:ph idx="1"/>
+          </p:nvPr>
+        </p:nvSpPr>
+        <p:spPr>
+          <a:xfrm>
+            <a:off x="548426" y="1321203"/>
+            <a:ext cx="10515600" cy="5230829"/>
+          </a:xfrm>
+        </p:spPr>
+        <p:txBody>
+          <a:bodyPr vert="horz" lIns="91440" tIns="45720" rIns="91440" bIns="45720" rtlCol="0" anchor="t">
+            <a:normAutofit/>
+          </a:bodyPr>
+          <a:lstStyle/>
+          <a:p>
+            <a:pPr algn="just"/>
+            <a:r>
+              <a:rPr lang="pt-PT" sz="3000" err="1">
+                <a:ea typeface="+mn-lt"/>
+                <a:cs typeface="+mn-lt"/>
+              </a:rPr>
+              <a:t>End</a:t>
+            </a:r>
+            <a:r>
+              <a:rPr lang="pt-PT" sz="3000" dirty="0">
+                <a:ea typeface="+mn-lt"/>
+                <a:cs typeface="+mn-lt"/>
+              </a:rPr>
+              <a:t>-to-</a:t>
+            </a:r>
+            <a:r>
+              <a:rPr lang="pt-PT" sz="3000" err="1">
+                <a:ea typeface="+mn-lt"/>
+                <a:cs typeface="+mn-lt"/>
+              </a:rPr>
+              <a:t>End</a:t>
+            </a:r>
+            <a:r>
+              <a:rPr lang="pt-PT" sz="3000" dirty="0">
+                <a:ea typeface="+mn-lt"/>
+                <a:cs typeface="+mn-lt"/>
+              </a:rPr>
+              <a:t> </a:t>
+            </a:r>
+            <a:r>
+              <a:rPr lang="pt-PT" sz="3000" err="1">
+                <a:ea typeface="+mn-lt"/>
+                <a:cs typeface="+mn-lt"/>
+              </a:rPr>
+              <a:t>PyTorch</a:t>
+            </a:r>
+            <a:r>
+              <a:rPr lang="pt-PT" sz="3000" dirty="0">
+                <a:ea typeface="+mn-lt"/>
+                <a:cs typeface="+mn-lt"/>
+              </a:rPr>
+              <a:t> </a:t>
+            </a:r>
+            <a:r>
+              <a:rPr lang="pt-PT" sz="3000" err="1">
+                <a:ea typeface="+mn-lt"/>
+                <a:cs typeface="+mn-lt"/>
+              </a:rPr>
+              <a:t>exercise</a:t>
+            </a:r>
+            <a:endParaRPr lang="pt-PT" err="1"/>
+          </a:p>
+          <a:p>
+            <a:pPr marL="0" indent="0" algn="just">
+              <a:buNone/>
+            </a:pPr>
+            <a:r>
+              <a:rPr lang="pt-PT" sz="2600" dirty="0">
+                <a:ea typeface="+mn-lt"/>
+                <a:cs typeface="+mn-lt"/>
+              </a:rPr>
+              <a:t>  1. </a:t>
+            </a:r>
+            <a:r>
+              <a:rPr lang="pt-PT" sz="2600" err="1">
+                <a:ea typeface="+mn-lt"/>
+                <a:cs typeface="+mn-lt"/>
+              </a:rPr>
+              <a:t>Load</a:t>
+            </a:r>
+            <a:r>
+              <a:rPr lang="pt-PT" sz="2600" dirty="0">
+                <a:ea typeface="+mn-lt"/>
+                <a:cs typeface="+mn-lt"/>
+              </a:rPr>
+              <a:t> </a:t>
+            </a:r>
+            <a:r>
+              <a:rPr lang="pt-PT" sz="2600" err="1">
+                <a:ea typeface="+mn-lt"/>
+                <a:cs typeface="+mn-lt"/>
+              </a:rPr>
+              <a:t>the</a:t>
+            </a:r>
+            <a:r>
+              <a:rPr lang="pt-PT" sz="2600">
+                <a:ea typeface="+mn-lt"/>
+                <a:cs typeface="+mn-lt"/>
+              </a:rPr>
+              <a:t> data</a:t>
+            </a:r>
+            <a:endParaRPr lang="pt-PT">
+              <a:ea typeface="+mn-lt"/>
+              <a:cs typeface="+mn-lt"/>
+            </a:endParaRPr>
+          </a:p>
+          <a:p>
+            <a:pPr marL="0" indent="0" algn="just">
+              <a:buNone/>
+            </a:pPr>
+            <a:r>
+              <a:rPr lang="pt-PT" sz="2600" dirty="0">
+                <a:ea typeface="+mn-lt"/>
+                <a:cs typeface="+mn-lt"/>
+              </a:rPr>
+              <a:t>  2. Define </a:t>
+            </a:r>
+            <a:r>
+              <a:rPr lang="pt-PT" sz="2600" dirty="0" err="1">
+                <a:ea typeface="+mn-lt"/>
+                <a:cs typeface="+mn-lt"/>
+              </a:rPr>
+              <a:t>the</a:t>
+            </a:r>
+            <a:r>
+              <a:rPr lang="pt-PT" sz="2600" dirty="0">
+                <a:ea typeface="+mn-lt"/>
+                <a:cs typeface="+mn-lt"/>
+              </a:rPr>
+              <a:t> </a:t>
+            </a:r>
+            <a:r>
+              <a:rPr lang="pt-PT" sz="2600" dirty="0" err="1">
+                <a:ea typeface="+mn-lt"/>
+                <a:cs typeface="+mn-lt"/>
+              </a:rPr>
+              <a:t>model</a:t>
+            </a:r>
+            <a:endParaRPr lang="pt-PT" dirty="0" err="1">
+              <a:ea typeface="+mn-lt"/>
+              <a:cs typeface="+mn-lt"/>
+            </a:endParaRPr>
+          </a:p>
+          <a:p>
+            <a:pPr marL="0" indent="0" algn="just">
+              <a:buNone/>
+            </a:pPr>
+            <a:r>
+              <a:rPr lang="pt-PT" sz="2600" dirty="0">
+                <a:ea typeface="+mn-lt"/>
+                <a:cs typeface="+mn-lt"/>
+              </a:rPr>
+              <a:t>  3. Define </a:t>
+            </a:r>
+            <a:r>
+              <a:rPr lang="pt-PT" sz="2600" dirty="0" err="1">
+                <a:ea typeface="+mn-lt"/>
+                <a:cs typeface="+mn-lt"/>
+              </a:rPr>
+              <a:t>the</a:t>
+            </a:r>
+            <a:r>
+              <a:rPr lang="pt-PT" sz="2600" dirty="0">
+                <a:ea typeface="+mn-lt"/>
+                <a:cs typeface="+mn-lt"/>
+              </a:rPr>
+              <a:t> </a:t>
+            </a:r>
+            <a:r>
+              <a:rPr lang="pt-PT" sz="2600" dirty="0" err="1">
+                <a:ea typeface="+mn-lt"/>
+                <a:cs typeface="+mn-lt"/>
+              </a:rPr>
+              <a:t>loss</a:t>
+            </a:r>
+            <a:r>
+              <a:rPr lang="pt-PT" sz="2600" dirty="0">
+                <a:ea typeface="+mn-lt"/>
+                <a:cs typeface="+mn-lt"/>
+              </a:rPr>
+              <a:t> </a:t>
+            </a:r>
+            <a:r>
+              <a:rPr lang="pt-PT" sz="2600" dirty="0" err="1">
+                <a:ea typeface="+mn-lt"/>
+                <a:cs typeface="+mn-lt"/>
+              </a:rPr>
+              <a:t>function</a:t>
+            </a:r>
+            <a:endParaRPr lang="pt-PT" dirty="0" err="1">
+              <a:ea typeface="+mn-lt"/>
+              <a:cs typeface="+mn-lt"/>
+            </a:endParaRPr>
+          </a:p>
+          <a:p>
+            <a:pPr marL="0" indent="0" algn="just">
+              <a:buNone/>
+            </a:pPr>
+            <a:r>
+              <a:rPr lang="pt-PT" sz="2600" dirty="0">
+                <a:ea typeface="+mn-lt"/>
+                <a:cs typeface="+mn-lt"/>
+              </a:rPr>
+              <a:t>  4. Define </a:t>
+            </a:r>
+            <a:r>
+              <a:rPr lang="pt-PT" sz="2600" dirty="0" err="1">
+                <a:ea typeface="+mn-lt"/>
+                <a:cs typeface="+mn-lt"/>
+              </a:rPr>
+              <a:t>the</a:t>
+            </a:r>
+            <a:r>
+              <a:rPr lang="pt-PT" sz="2600" dirty="0">
+                <a:ea typeface="+mn-lt"/>
+                <a:cs typeface="+mn-lt"/>
+              </a:rPr>
+              <a:t> </a:t>
+            </a:r>
+            <a:r>
+              <a:rPr lang="pt-PT" sz="2600" dirty="0" err="1">
+                <a:ea typeface="+mn-lt"/>
+                <a:cs typeface="+mn-lt"/>
+              </a:rPr>
+              <a:t>optimizer</a:t>
+            </a:r>
+            <a:endParaRPr lang="pt-PT" dirty="0" err="1">
+              <a:ea typeface="+mn-lt"/>
+              <a:cs typeface="+mn-lt"/>
+            </a:endParaRPr>
+          </a:p>
+          <a:p>
+            <a:pPr marL="0" indent="0" algn="just">
+              <a:buNone/>
+            </a:pPr>
+            <a:r>
+              <a:rPr lang="pt-PT" sz="2600" dirty="0">
+                <a:ea typeface="+mn-lt"/>
+                <a:cs typeface="+mn-lt"/>
+              </a:rPr>
+              <a:t>  5. </a:t>
+            </a:r>
+            <a:r>
+              <a:rPr lang="pt-PT" sz="2600" dirty="0" err="1">
+                <a:ea typeface="+mn-lt"/>
+                <a:cs typeface="+mn-lt"/>
+              </a:rPr>
+              <a:t>Train</a:t>
+            </a:r>
+            <a:r>
+              <a:rPr lang="pt-PT" sz="2600" dirty="0">
+                <a:ea typeface="+mn-lt"/>
+                <a:cs typeface="+mn-lt"/>
+              </a:rPr>
+              <a:t> </a:t>
+            </a:r>
+            <a:r>
+              <a:rPr lang="pt-PT" sz="2600" dirty="0" err="1">
+                <a:ea typeface="+mn-lt"/>
+                <a:cs typeface="+mn-lt"/>
+              </a:rPr>
+              <a:t>the</a:t>
+            </a:r>
+            <a:r>
+              <a:rPr lang="pt-PT" sz="2600" dirty="0">
+                <a:ea typeface="+mn-lt"/>
+                <a:cs typeface="+mn-lt"/>
+              </a:rPr>
+              <a:t> </a:t>
+            </a:r>
+            <a:r>
+              <a:rPr lang="pt-PT" sz="2600" dirty="0" err="1">
+                <a:ea typeface="+mn-lt"/>
+                <a:cs typeface="+mn-lt"/>
+              </a:rPr>
+              <a:t>model</a:t>
+            </a:r>
+            <a:endParaRPr lang="pt-PT" dirty="0" err="1">
+              <a:ea typeface="+mn-lt"/>
+              <a:cs typeface="+mn-lt"/>
+            </a:endParaRPr>
+          </a:p>
+          <a:p>
+            <a:pPr marL="0" indent="0" algn="just">
+              <a:buNone/>
+            </a:pPr>
+            <a:r>
+              <a:rPr lang="pt-PT" sz="2600">
+                <a:ea typeface="+mn-lt"/>
+                <a:cs typeface="+mn-lt"/>
+              </a:rPr>
+              <a:t>  6. </a:t>
+            </a:r>
+            <a:r>
+              <a:rPr lang="pt-PT" sz="2600" err="1">
+                <a:ea typeface="+mn-lt"/>
+                <a:cs typeface="+mn-lt"/>
+              </a:rPr>
+              <a:t>Make</a:t>
+            </a:r>
+            <a:r>
+              <a:rPr lang="pt-PT" sz="2600" dirty="0">
+                <a:ea typeface="+mn-lt"/>
+                <a:cs typeface="+mn-lt"/>
+              </a:rPr>
+              <a:t> </a:t>
+            </a:r>
+            <a:r>
+              <a:rPr lang="pt-PT" sz="2600" err="1">
+                <a:ea typeface="+mn-lt"/>
+                <a:cs typeface="+mn-lt"/>
+              </a:rPr>
+              <a:t>predictions</a:t>
+            </a:r>
+            <a:endParaRPr lang="pt-PT"/>
+          </a:p>
+          <a:p>
+            <a:pPr lvl="1" algn="just">
+              <a:buFont typeface="Courier New" panose="020B0604020202020204" pitchFamily="34" charset="0"/>
+              <a:buChar char="o"/>
+            </a:pPr>
+            <a:endParaRPr lang="pt-PT" sz="2600" dirty="0">
+              <a:ea typeface="+mn-lt"/>
+              <a:cs typeface="+mn-lt"/>
+            </a:endParaRPr>
+          </a:p>
+        </p:txBody>
+      </p:sp>
+      <p:sp>
+        <p:nvSpPr>
+          <p:cNvPr id="4" name="Retângulo 3">
+            <a:extLst>
+              <a:ext uri="{FF2B5EF4-FFF2-40B4-BE49-F238E27FC236}">
+                <a16:creationId xmlns:a16="http://schemas.microsoft.com/office/drawing/2014/main" id="{C49AACF5-CCF4-E6B6-98B5-BF66BBB3419C}"/>
+              </a:ext>
+            </a:extLst>
+          </p:cNvPr>
+          <p:cNvSpPr/>
+          <p:nvPr/>
+        </p:nvSpPr>
+        <p:spPr>
+          <a:xfrm>
+            <a:off x="0" y="6626645"/>
+            <a:ext cx="12192000" cy="231355"/>
+          </a:xfrm>
+          <a:prstGeom prst="rect">
+            <a:avLst/>
+          </a:prstGeom>
+          <a:solidFill>
+            <a:srgbClr val="092953"/>
+          </a:solidFill>
+          <a:ln>
+            <a:solidFill>
+              <a:srgbClr val="092953"/>
+            </a:solidFill>
+          </a:ln>
+        </p:spPr>
+        <p:style>
+          <a:lnRef idx="2">
+            <a:schemeClr val="accent1">
+              <a:shade val="15000"/>
+            </a:schemeClr>
+          </a:lnRef>
+          <a:fillRef idx="1">
+            <a:schemeClr val="accent1"/>
+          </a:fillRef>
+          <a:effectRef idx="0">
+            <a:schemeClr val="accent1"/>
+          </a:effectRef>
+          <a:fontRef idx="minor">
+            <a:schemeClr val="lt1"/>
+          </a:fontRef>
+        </p:style>
+        <p:txBody>
+          <a:bodyPr rot="0" spcFirstLastPara="0" vert="horz" wrap="square" lIns="91440" tIns="45720" rIns="91440" bIns="45720" numCol="1" spcCol="0" rtlCol="0" fromWordArt="0" anchor="ctr" anchorCtr="0" forceAA="0" compatLnSpc="1">
+            <a:prstTxWarp prst="textNoShape">
+              <a:avLst/>
+            </a:prstTxWarp>
+            <a:noAutofit/>
+          </a:bodyPr>
+          <a:lstStyle>
+            <a:defPPr>
+              <a:defRPr lang="pt-PT"/>
+            </a:defPPr>
+            <a:lvl1pPr marL="0" algn="l" defTabSz="914400" rtl="0" eaLnBrk="1" latinLnBrk="0" hangingPunct="1">
+              <a:defRPr sz="1800" kern="1200">
+                <a:solidFill>
+                  <a:schemeClr val="lt1"/>
+                </a:solidFill>
+                <a:latin typeface="+mn-lt"/>
+                <a:ea typeface="+mn-ea"/>
+                <a:cs typeface="+mn-cs"/>
+              </a:defRPr>
+            </a:lvl1pPr>
+            <a:lvl2pPr marL="457200" algn="l" defTabSz="914400" rtl="0" eaLnBrk="1" latinLnBrk="0" hangingPunct="1">
+              <a:defRPr sz="1800" kern="1200">
+                <a:solidFill>
+                  <a:schemeClr val="lt1"/>
+                </a:solidFill>
+                <a:latin typeface="+mn-lt"/>
+                <a:ea typeface="+mn-ea"/>
+                <a:cs typeface="+mn-cs"/>
+              </a:defRPr>
+            </a:lvl2pPr>
+            <a:lvl3pPr marL="914400" algn="l" defTabSz="914400" rtl="0" eaLnBrk="1" latinLnBrk="0" hangingPunct="1">
+              <a:defRPr sz="1800" kern="1200">
+                <a:solidFill>
+                  <a:schemeClr val="lt1"/>
+                </a:solidFill>
+                <a:latin typeface="+mn-lt"/>
+                <a:ea typeface="+mn-ea"/>
+                <a:cs typeface="+mn-cs"/>
+              </a:defRPr>
+            </a:lvl3pPr>
+            <a:lvl4pPr marL="1371600" algn="l" defTabSz="914400" rtl="0" eaLnBrk="1" latinLnBrk="0" hangingPunct="1">
+              <a:defRPr sz="1800" kern="1200">
+                <a:solidFill>
+                  <a:schemeClr val="lt1"/>
+                </a:solidFill>
+                <a:latin typeface="+mn-lt"/>
+                <a:ea typeface="+mn-ea"/>
+                <a:cs typeface="+mn-cs"/>
+              </a:defRPr>
+            </a:lvl4pPr>
+            <a:lvl5pPr marL="1828800" algn="l" defTabSz="914400" rtl="0" eaLnBrk="1" latinLnBrk="0" hangingPunct="1">
+              <a:defRPr sz="1800" kern="1200">
+                <a:solidFill>
+                  <a:schemeClr val="lt1"/>
+                </a:solidFill>
+                <a:latin typeface="+mn-lt"/>
+                <a:ea typeface="+mn-ea"/>
+                <a:cs typeface="+mn-cs"/>
+              </a:defRPr>
+            </a:lvl5pPr>
+            <a:lvl6pPr marL="2286000" algn="l" defTabSz="914400" rtl="0" eaLnBrk="1" latinLnBrk="0" hangingPunct="1">
+              <a:defRPr sz="1800" kern="1200">
+                <a:solidFill>
+                  <a:schemeClr val="lt1"/>
+                </a:solidFill>
+                <a:latin typeface="+mn-lt"/>
+                <a:ea typeface="+mn-ea"/>
+                <a:cs typeface="+mn-cs"/>
+              </a:defRPr>
+            </a:lvl6pPr>
+            <a:lvl7pPr marL="2743200" algn="l" defTabSz="914400" rtl="0" eaLnBrk="1" latinLnBrk="0" hangingPunct="1">
+              <a:defRPr sz="1800" kern="1200">
+                <a:solidFill>
+                  <a:schemeClr val="lt1"/>
+                </a:solidFill>
+                <a:latin typeface="+mn-lt"/>
+                <a:ea typeface="+mn-ea"/>
+                <a:cs typeface="+mn-cs"/>
+              </a:defRPr>
+            </a:lvl7pPr>
+            <a:lvl8pPr marL="3200400" algn="l" defTabSz="914400" rtl="0" eaLnBrk="1" latinLnBrk="0" hangingPunct="1">
+              <a:defRPr sz="1800" kern="1200">
+                <a:solidFill>
+                  <a:schemeClr val="lt1"/>
+                </a:solidFill>
+                <a:latin typeface="+mn-lt"/>
+                <a:ea typeface="+mn-ea"/>
+                <a:cs typeface="+mn-cs"/>
+              </a:defRPr>
+            </a:lvl8pPr>
+            <a:lvl9pPr marL="3657600" algn="l" defTabSz="914400" rtl="0" eaLnBrk="1" latinLnBrk="0" hangingPunct="1">
+              <a:defRPr sz="1800" kern="1200">
+                <a:solidFill>
+                  <a:schemeClr val="lt1"/>
+                </a:solidFill>
+                <a:latin typeface="+mn-lt"/>
+                <a:ea typeface="+mn-ea"/>
+                <a:cs typeface="+mn-cs"/>
+              </a:defRPr>
+            </a:lvl9pPr>
+          </a:lstStyle>
+          <a:p>
+            <a:pPr algn="ctr"/>
+            <a:endParaRPr lang="pt-PT"/>
+          </a:p>
+        </p:txBody>
+      </p:sp>
+      <p:pic>
+        <p:nvPicPr>
+          <p:cNvPr id="7" name="Imagem 6" descr="Portal do Colaborador">
+            <a:extLst>
+              <a:ext uri="{FF2B5EF4-FFF2-40B4-BE49-F238E27FC236}">
+                <a16:creationId xmlns:a16="http://schemas.microsoft.com/office/drawing/2014/main" id="{A59B6DA3-4BA1-94F4-4AA2-59A6261305AE}"/>
+              </a:ext>
+            </a:extLst>
+          </p:cNvPr>
+          <p:cNvPicPr>
+            <a:picLocks noChangeAspect="1"/>
+          </p:cNvPicPr>
+          <p:nvPr/>
+        </p:nvPicPr>
+        <p:blipFill>
+          <a:blip r:embed="rId2"/>
+          <a:stretch>
+            <a:fillRect/>
+          </a:stretch>
+        </p:blipFill>
+        <p:spPr>
+          <a:xfrm>
+            <a:off x="10199775" y="117119"/>
+            <a:ext cx="1877314" cy="869240"/>
+          </a:xfrm>
+          <a:prstGeom prst="rect">
+            <a:avLst/>
+          </a:prstGeom>
+        </p:spPr>
+      </p:pic>
+      <p:sp>
+        <p:nvSpPr>
+          <p:cNvPr id="5" name="CaixaDeTexto 4">
+            <a:extLst>
+              <a:ext uri="{FF2B5EF4-FFF2-40B4-BE49-F238E27FC236}">
+                <a16:creationId xmlns:a16="http://schemas.microsoft.com/office/drawing/2014/main" id="{57F2B5C7-69A2-D265-A0CC-A46D2F230199}"/>
+              </a:ext>
+            </a:extLst>
+          </p:cNvPr>
+          <p:cNvSpPr txBox="1"/>
+          <p:nvPr/>
+        </p:nvSpPr>
+        <p:spPr>
+          <a:xfrm>
+            <a:off x="60594" y="6624809"/>
+            <a:ext cx="6801079" cy="230832"/>
+          </a:xfrm>
+          <a:prstGeom prst="rect">
+            <a:avLst/>
+          </a:prstGeom>
+          <a:noFill/>
+        </p:spPr>
+        <p:txBody>
+          <a:bodyPr rot="0" spcFirstLastPara="0" vertOverflow="overflow" horzOverflow="overflow" vert="horz" wrap="square" lIns="91440" tIns="45720" rIns="91440" bIns="45720" numCol="1" spcCol="0" rtlCol="0" fromWordArt="0" anchor="t" anchorCtr="0" forceAA="0" compatLnSpc="1">
+            <a:prstTxWarp prst="textNoShape">
+              <a:avLst/>
+            </a:prstTxWarp>
+            <a:spAutoFit/>
+          </a:bodyPr>
+          <a:lstStyle/>
+          <a:p>
+            <a:r>
+              <a:rPr lang="pt-PT" sz="900" dirty="0" err="1">
+                <a:solidFill>
+                  <a:srgbClr val="FFFFFF"/>
+                </a:solidFill>
+              </a:rPr>
+              <a:t>Introduction</a:t>
+            </a:r>
+            <a:r>
+              <a:rPr lang="pt-PT" sz="900" dirty="0">
+                <a:solidFill>
+                  <a:srgbClr val="FFFFFF"/>
+                </a:solidFill>
+              </a:rPr>
+              <a:t> to </a:t>
+            </a:r>
+            <a:r>
+              <a:rPr lang="pt-PT" sz="900" dirty="0" err="1">
+                <a:solidFill>
+                  <a:srgbClr val="FFFFFF"/>
+                </a:solidFill>
+              </a:rPr>
+              <a:t>PyTorch</a:t>
+            </a:r>
+          </a:p>
+        </p:txBody>
+      </p:sp>
+      <p:sp>
+        <p:nvSpPr>
+          <p:cNvPr id="6" name="CaixaDeTexto 5">
+            <a:extLst>
+              <a:ext uri="{FF2B5EF4-FFF2-40B4-BE49-F238E27FC236}">
+                <a16:creationId xmlns:a16="http://schemas.microsoft.com/office/drawing/2014/main" id="{AE4BAC88-6A2B-E578-4ABE-EF35CB42086C}"/>
+              </a:ext>
+            </a:extLst>
+          </p:cNvPr>
+          <p:cNvSpPr txBox="1"/>
+          <p:nvPr/>
+        </p:nvSpPr>
+        <p:spPr>
+          <a:xfrm>
+            <a:off x="5275244" y="6624808"/>
+            <a:ext cx="6801079" cy="230832"/>
+          </a:xfrm>
+          <a:prstGeom prst="rect">
+            <a:avLst/>
+          </a:prstGeom>
+          <a:noFill/>
+        </p:spPr>
+        <p:txBody>
+          <a:bodyPr rot="0" spcFirstLastPara="0" vertOverflow="overflow" horzOverflow="overflow" vert="horz" wrap="square" lIns="91440" tIns="45720" rIns="91440" bIns="45720" numCol="1" spcCol="0" rtlCol="0" fromWordArt="0" anchor="t" anchorCtr="0" forceAA="0" compatLnSpc="1">
+            <a:prstTxWarp prst="textNoShape">
+              <a:avLst/>
+            </a:prstTxWarp>
+            <a:spAutoFit/>
+          </a:bodyPr>
+          <a:lstStyle/>
+          <a:p>
+            <a:pPr algn="r"/>
+            <a:r>
+              <a:rPr lang="pt-PT" sz="900" dirty="0" err="1">
+                <a:solidFill>
+                  <a:srgbClr val="FFFFFF"/>
+                </a:solidFill>
+                <a:latin typeface="Times New Roman"/>
+                <a:cs typeface="Times New Roman"/>
+              </a:rPr>
+              <a:t>Session</a:t>
+            </a:r>
+            <a:r>
+              <a:rPr lang="pt-PT" sz="900" dirty="0">
+                <a:solidFill>
+                  <a:srgbClr val="FFFFFF"/>
+                </a:solidFill>
+                <a:latin typeface="Times New Roman"/>
+                <a:cs typeface="Times New Roman"/>
+              </a:rPr>
+              <a:t> 3</a:t>
+            </a:r>
+            <a:endParaRPr lang="pt-PT" dirty="0"/>
+          </a:p>
+        </p:txBody>
+      </p:sp>
+    </p:spTree>
+    <p:extLst>
+      <p:ext uri="{BB962C8B-B14F-4D97-AF65-F5344CB8AC3E}">
+        <p14:creationId xmlns:p14="http://schemas.microsoft.com/office/powerpoint/2010/main" val="1633583778"/>
+      </p:ext>
+    </p:extLst>
+  </p:cSld>
+  <p:clrMapOvr>
+    <a:masterClrMapping/>
+  </p:clrMapOvr>
+</p:sld>
+</file>
+
 <file path=ppt/slides/slide3.xml><?xml version="1.0" encoding="utf-8"?>
 <p:sld xmlns:a="http://schemas.openxmlformats.org/drawingml/2006/main" xmlns:r="http://schemas.openxmlformats.org/officeDocument/2006/relationships" xmlns:p="http://schemas.openxmlformats.org/presentationml/2006/main">
   <p:cSld>

--- a/lectures/DL-Session04.pptx
+++ b/lectures/DL-Session04.pptx
@@ -142,8 +142,9 @@
 <p1510:revInfo xmlns:a="http://schemas.openxmlformats.org/drawingml/2006/main" xmlns:r="http://schemas.openxmlformats.org/officeDocument/2006/relationships" xmlns:p1510="http://schemas.microsoft.com/office/powerpoint/2015/10/main">
   <p1510:revLst>
     <p1510:client id="{246D3490-0678-8913-0B87-F5551F5BA97B}" v="709" dt="2024-09-26T11:00:23.794"/>
+    <p1510:client id="{4FAC4888-B431-FF2C-CD8D-074399130B4C}" v="68" dt="2024-09-27T15:43:41.493"/>
     <p1510:client id="{AEC5B560-211D-F632-020A-DAABF0B6B21B}" v="421" dt="2024-09-25T21:04:03.104"/>
-    <p1510:client id="{C3C08B1F-3C4A-F814-B940-708D9715DBBA}" v="53" dt="2024-09-26T20:09:25.226"/>
+    <p1510:client id="{C3C08B1F-3C4A-F814-B940-708D9715DBBA}" v="55" dt="2024-09-27T11:43:18.619"/>
   </p1510:revLst>
 </p1510:revInfo>
 </file>
@@ -277,7 +278,7 @@
           <a:p>
             <a:fld id="{E431C0BB-DC71-4713-A787-95011EDB8CA8}" type="datetimeFigureOut">
               <a:rPr lang="pt-PT" smtClean="0"/>
-              <a:t>26/09/2024</a:t>
+              <a:t>27/09/2024</a:t>
             </a:fld>
             <a:endParaRPr lang="pt-PT"/>
           </a:p>
@@ -445,7 +446,7 @@
           <a:p>
             <a:fld id="{E431C0BB-DC71-4713-A787-95011EDB8CA8}" type="datetimeFigureOut">
               <a:rPr lang="pt-PT" smtClean="0"/>
-              <a:t>26/09/2024</a:t>
+              <a:t>27/09/2024</a:t>
             </a:fld>
             <a:endParaRPr lang="pt-PT"/>
           </a:p>
@@ -623,7 +624,7 @@
           <a:p>
             <a:fld id="{E431C0BB-DC71-4713-A787-95011EDB8CA8}" type="datetimeFigureOut">
               <a:rPr lang="pt-PT" smtClean="0"/>
-              <a:t>26/09/2024</a:t>
+              <a:t>27/09/2024</a:t>
             </a:fld>
             <a:endParaRPr lang="pt-PT"/>
           </a:p>
@@ -791,7 +792,7 @@
           <a:p>
             <a:fld id="{E431C0BB-DC71-4713-A787-95011EDB8CA8}" type="datetimeFigureOut">
               <a:rPr lang="pt-PT" smtClean="0"/>
-              <a:t>26/09/2024</a:t>
+              <a:t>27/09/2024</a:t>
             </a:fld>
             <a:endParaRPr lang="pt-PT"/>
           </a:p>
@@ -1036,7 +1037,7 @@
           <a:p>
             <a:fld id="{E431C0BB-DC71-4713-A787-95011EDB8CA8}" type="datetimeFigureOut">
               <a:rPr lang="pt-PT" smtClean="0"/>
-              <a:t>26/09/2024</a:t>
+              <a:t>27/09/2024</a:t>
             </a:fld>
             <a:endParaRPr lang="pt-PT"/>
           </a:p>
@@ -1265,7 +1266,7 @@
           <a:p>
             <a:fld id="{E431C0BB-DC71-4713-A787-95011EDB8CA8}" type="datetimeFigureOut">
               <a:rPr lang="pt-PT" smtClean="0"/>
-              <a:t>26/09/2024</a:t>
+              <a:t>27/09/2024</a:t>
             </a:fld>
             <a:endParaRPr lang="pt-PT"/>
           </a:p>
@@ -1629,7 +1630,7 @@
           <a:p>
             <a:fld id="{E431C0BB-DC71-4713-A787-95011EDB8CA8}" type="datetimeFigureOut">
               <a:rPr lang="pt-PT" smtClean="0"/>
-              <a:t>26/09/2024</a:t>
+              <a:t>27/09/2024</a:t>
             </a:fld>
             <a:endParaRPr lang="pt-PT"/>
           </a:p>
@@ -1746,7 +1747,7 @@
           <a:p>
             <a:fld id="{E431C0BB-DC71-4713-A787-95011EDB8CA8}" type="datetimeFigureOut">
               <a:rPr lang="pt-PT" smtClean="0"/>
-              <a:t>26/09/2024</a:t>
+              <a:t>27/09/2024</a:t>
             </a:fld>
             <a:endParaRPr lang="pt-PT"/>
           </a:p>
@@ -1841,7 +1842,7 @@
           <a:p>
             <a:fld id="{E431C0BB-DC71-4713-A787-95011EDB8CA8}" type="datetimeFigureOut">
               <a:rPr lang="pt-PT" smtClean="0"/>
-              <a:t>26/09/2024</a:t>
+              <a:t>27/09/2024</a:t>
             </a:fld>
             <a:endParaRPr lang="pt-PT"/>
           </a:p>
@@ -2116,7 +2117,7 @@
           <a:p>
             <a:fld id="{E431C0BB-DC71-4713-A787-95011EDB8CA8}" type="datetimeFigureOut">
               <a:rPr lang="pt-PT" smtClean="0"/>
-              <a:t>26/09/2024</a:t>
+              <a:t>27/09/2024</a:t>
             </a:fld>
             <a:endParaRPr lang="pt-PT"/>
           </a:p>
@@ -2368,7 +2369,7 @@
           <a:p>
             <a:fld id="{E431C0BB-DC71-4713-A787-95011EDB8CA8}" type="datetimeFigureOut">
               <a:rPr lang="pt-PT" smtClean="0"/>
-              <a:t>26/09/2024</a:t>
+              <a:t>27/09/2024</a:t>
             </a:fld>
             <a:endParaRPr lang="pt-PT"/>
           </a:p>
@@ -2579,7 +2580,7 @@
           <a:p>
             <a:fld id="{E431C0BB-DC71-4713-A787-95011EDB8CA8}" type="datetimeFigureOut">
               <a:rPr lang="pt-PT" smtClean="0"/>
-              <a:t>26/09/2024</a:t>
+              <a:t>27/09/2024</a:t>
             </a:fld>
             <a:endParaRPr lang="pt-PT"/>
           </a:p>
@@ -4261,62 +4262,6 @@
           </a:p>
         </p:txBody>
       </p:sp>
-      <p:sp>
-        <p:nvSpPr>
-          <p:cNvPr id="6" name="CaixaDeTexto 5">
-            <a:extLst>
-              <a:ext uri="{FF2B5EF4-FFF2-40B4-BE49-F238E27FC236}">
-                <a16:creationId xmlns:a16="http://schemas.microsoft.com/office/drawing/2014/main" id="{AE4BAC88-6A2B-E578-4ABE-EF35CB42086C}"/>
-              </a:ext>
-            </a:extLst>
-          </p:cNvPr>
-          <p:cNvSpPr txBox="1"/>
-          <p:nvPr/>
-        </p:nvSpPr>
-        <p:spPr>
-          <a:xfrm>
-            <a:off x="5275244" y="6624808"/>
-            <a:ext cx="6801079" cy="230832"/>
-          </a:xfrm>
-          <a:prstGeom prst="rect">
-            <a:avLst/>
-          </a:prstGeom>
-          <a:noFill/>
-        </p:spPr>
-        <p:txBody>
-          <a:bodyPr rot="0" spcFirstLastPara="0" vertOverflow="overflow" horzOverflow="overflow" vert="horz" wrap="square" lIns="91440" tIns="45720" rIns="91440" bIns="45720" numCol="1" spcCol="0" rtlCol="0" fromWordArt="0" anchor="t" anchorCtr="0" forceAA="0" compatLnSpc="1">
-            <a:prstTxWarp prst="textNoShape">
-              <a:avLst/>
-            </a:prstTxWarp>
-            <a:spAutoFit/>
-          </a:bodyPr>
-          <a:lstStyle/>
-          <a:p>
-            <a:pPr algn="r"/>
-            <a:r>
-              <a:rPr lang="pt-PT" sz="900" dirty="0" err="1">
-                <a:solidFill>
-                  <a:srgbClr val="FFFFFF"/>
-                </a:solidFill>
-                <a:latin typeface="Times New Roman"/>
-                <a:cs typeface="Times New Roman"/>
-              </a:rPr>
-              <a:t>Session</a:t>
-            </a:r>
-            <a:r>
-              <a:rPr lang="pt-PT" sz="900" dirty="0">
-                <a:solidFill>
-                  <a:srgbClr val="FFFFFF"/>
-                </a:solidFill>
-                <a:latin typeface="Times New Roman"/>
-                <a:cs typeface="Times New Roman"/>
-              </a:rPr>
-              <a:t> 3</a:t>
-            </a:r>
-            <a:endParaRPr lang="pt-PT" dirty="0"/>
-          </a:p>
-        </p:txBody>
-      </p:sp>
       <p:pic>
         <p:nvPicPr>
           <p:cNvPr id="8" name="Imagem 7" descr="Uma imagem com texto, captura de ecrã, software, Software de multimédia&#10;&#10;Descrição gerada automaticamente">
@@ -4377,6 +4322,62 @@
           </a:prstGeom>
         </p:spPr>
       </p:pic>
+      <p:sp>
+        <p:nvSpPr>
+          <p:cNvPr id="11" name="CaixaDeTexto 10">
+            <a:extLst>
+              <a:ext uri="{FF2B5EF4-FFF2-40B4-BE49-F238E27FC236}">
+                <a16:creationId xmlns:a16="http://schemas.microsoft.com/office/drawing/2014/main" id="{C5B4EC97-7621-D5C6-9966-53F47073712C}"/>
+              </a:ext>
+            </a:extLst>
+          </p:cNvPr>
+          <p:cNvSpPr txBox="1"/>
+          <p:nvPr/>
+        </p:nvSpPr>
+        <p:spPr>
+          <a:xfrm>
+            <a:off x="5275244" y="6624808"/>
+            <a:ext cx="6801079" cy="230832"/>
+          </a:xfrm>
+          <a:prstGeom prst="rect">
+            <a:avLst/>
+          </a:prstGeom>
+          <a:noFill/>
+        </p:spPr>
+        <p:txBody>
+          <a:bodyPr rot="0" spcFirstLastPara="0" vertOverflow="overflow" horzOverflow="overflow" vert="horz" wrap="square" lIns="91440" tIns="45720" rIns="91440" bIns="45720" numCol="1" spcCol="0" rtlCol="0" fromWordArt="0" anchor="t" anchorCtr="0" forceAA="0" compatLnSpc="1">
+            <a:prstTxWarp prst="textNoShape">
+              <a:avLst/>
+            </a:prstTxWarp>
+            <a:spAutoFit/>
+          </a:bodyPr>
+          <a:lstStyle/>
+          <a:p>
+            <a:pPr algn="r"/>
+            <a:r>
+              <a:rPr lang="pt-PT" sz="900" dirty="0" err="1">
+                <a:solidFill>
+                  <a:srgbClr val="FFFFFF"/>
+                </a:solidFill>
+                <a:latin typeface="Times New Roman"/>
+                <a:cs typeface="Times New Roman"/>
+              </a:rPr>
+              <a:t>Session</a:t>
+            </a:r>
+            <a:r>
+              <a:rPr lang="pt-PT" sz="900" dirty="0">
+                <a:solidFill>
+                  <a:srgbClr val="FFFFFF"/>
+                </a:solidFill>
+                <a:latin typeface="Times New Roman"/>
+                <a:cs typeface="Times New Roman"/>
+              </a:rPr>
+              <a:t> 4</a:t>
+            </a:r>
+            <a:endParaRPr lang="pt-PT" dirty="0"/>
+          </a:p>
+        </p:txBody>
+      </p:sp>
     </p:spTree>
     <p:extLst>
       <p:ext uri="{BB962C8B-B14F-4D97-AF65-F5344CB8AC3E}">
@@ -5285,62 +5286,6 @@
           </a:p>
         </p:txBody>
       </p:sp>
-      <p:sp>
-        <p:nvSpPr>
-          <p:cNvPr id="6" name="CaixaDeTexto 5">
-            <a:extLst>
-              <a:ext uri="{FF2B5EF4-FFF2-40B4-BE49-F238E27FC236}">
-                <a16:creationId xmlns:a16="http://schemas.microsoft.com/office/drawing/2014/main" id="{AE4BAC88-6A2B-E578-4ABE-EF35CB42086C}"/>
-              </a:ext>
-            </a:extLst>
-          </p:cNvPr>
-          <p:cNvSpPr txBox="1"/>
-          <p:nvPr/>
-        </p:nvSpPr>
-        <p:spPr>
-          <a:xfrm>
-            <a:off x="5275244" y="6624808"/>
-            <a:ext cx="6801079" cy="230832"/>
-          </a:xfrm>
-          <a:prstGeom prst="rect">
-            <a:avLst/>
-          </a:prstGeom>
-          <a:noFill/>
-        </p:spPr>
-        <p:txBody>
-          <a:bodyPr rot="0" spcFirstLastPara="0" vertOverflow="overflow" horzOverflow="overflow" vert="horz" wrap="square" lIns="91440" tIns="45720" rIns="91440" bIns="45720" numCol="1" spcCol="0" rtlCol="0" fromWordArt="0" anchor="t" anchorCtr="0" forceAA="0" compatLnSpc="1">
-            <a:prstTxWarp prst="textNoShape">
-              <a:avLst/>
-            </a:prstTxWarp>
-            <a:spAutoFit/>
-          </a:bodyPr>
-          <a:lstStyle/>
-          <a:p>
-            <a:pPr algn="r"/>
-            <a:r>
-              <a:rPr lang="pt-PT" sz="900" dirty="0" err="1">
-                <a:solidFill>
-                  <a:srgbClr val="FFFFFF"/>
-                </a:solidFill>
-                <a:latin typeface="Times New Roman"/>
-                <a:cs typeface="Times New Roman"/>
-              </a:rPr>
-              <a:t>Session</a:t>
-            </a:r>
-            <a:r>
-              <a:rPr lang="pt-PT" sz="900" dirty="0">
-                <a:solidFill>
-                  <a:srgbClr val="FFFFFF"/>
-                </a:solidFill>
-                <a:latin typeface="Times New Roman"/>
-                <a:cs typeface="Times New Roman"/>
-              </a:rPr>
-              <a:t> 3</a:t>
-            </a:r>
-            <a:endParaRPr lang="pt-PT" dirty="0"/>
-          </a:p>
-        </p:txBody>
-      </p:sp>
       <p:pic>
         <p:nvPicPr>
           <p:cNvPr id="9" name="Imagem 8" descr="Uma imagem com texto, captura de ecrã, software&#10;&#10;Descrição gerada automaticamente">
@@ -5401,6 +5346,62 @@
           </a:prstGeom>
         </p:spPr>
       </p:pic>
+      <p:sp>
+        <p:nvSpPr>
+          <p:cNvPr id="11" name="CaixaDeTexto 10">
+            <a:extLst>
+              <a:ext uri="{FF2B5EF4-FFF2-40B4-BE49-F238E27FC236}">
+                <a16:creationId xmlns:a16="http://schemas.microsoft.com/office/drawing/2014/main" id="{383517C2-142F-80D2-3241-81640039DDE0}"/>
+              </a:ext>
+            </a:extLst>
+          </p:cNvPr>
+          <p:cNvSpPr txBox="1"/>
+          <p:nvPr/>
+        </p:nvSpPr>
+        <p:spPr>
+          <a:xfrm>
+            <a:off x="5275244" y="6624808"/>
+            <a:ext cx="6801079" cy="230832"/>
+          </a:xfrm>
+          <a:prstGeom prst="rect">
+            <a:avLst/>
+          </a:prstGeom>
+          <a:noFill/>
+        </p:spPr>
+        <p:txBody>
+          <a:bodyPr rot="0" spcFirstLastPara="0" vertOverflow="overflow" horzOverflow="overflow" vert="horz" wrap="square" lIns="91440" tIns="45720" rIns="91440" bIns="45720" numCol="1" spcCol="0" rtlCol="0" fromWordArt="0" anchor="t" anchorCtr="0" forceAA="0" compatLnSpc="1">
+            <a:prstTxWarp prst="textNoShape">
+              <a:avLst/>
+            </a:prstTxWarp>
+            <a:spAutoFit/>
+          </a:bodyPr>
+          <a:lstStyle/>
+          <a:p>
+            <a:pPr algn="r"/>
+            <a:r>
+              <a:rPr lang="pt-PT" sz="900" dirty="0" err="1">
+                <a:solidFill>
+                  <a:srgbClr val="FFFFFF"/>
+                </a:solidFill>
+                <a:latin typeface="Times New Roman"/>
+                <a:cs typeface="Times New Roman"/>
+              </a:rPr>
+              <a:t>Session</a:t>
+            </a:r>
+            <a:r>
+              <a:rPr lang="pt-PT" sz="900" dirty="0">
+                <a:solidFill>
+                  <a:srgbClr val="FFFFFF"/>
+                </a:solidFill>
+                <a:latin typeface="Times New Roman"/>
+                <a:cs typeface="Times New Roman"/>
+              </a:rPr>
+              <a:t> 4</a:t>
+            </a:r>
+            <a:endParaRPr lang="pt-PT" dirty="0"/>
+          </a:p>
+        </p:txBody>
+      </p:sp>
     </p:spTree>
     <p:extLst>
       <p:ext uri="{BB962C8B-B14F-4D97-AF65-F5344CB8AC3E}">
@@ -5835,62 +5836,6 @@
           </a:p>
         </p:txBody>
       </p:sp>
-      <p:sp>
-        <p:nvSpPr>
-          <p:cNvPr id="6" name="CaixaDeTexto 5">
-            <a:extLst>
-              <a:ext uri="{FF2B5EF4-FFF2-40B4-BE49-F238E27FC236}">
-                <a16:creationId xmlns:a16="http://schemas.microsoft.com/office/drawing/2014/main" id="{AE4BAC88-6A2B-E578-4ABE-EF35CB42086C}"/>
-              </a:ext>
-            </a:extLst>
-          </p:cNvPr>
-          <p:cNvSpPr txBox="1"/>
-          <p:nvPr/>
-        </p:nvSpPr>
-        <p:spPr>
-          <a:xfrm>
-            <a:off x="5275244" y="6624808"/>
-            <a:ext cx="6801079" cy="230832"/>
-          </a:xfrm>
-          <a:prstGeom prst="rect">
-            <a:avLst/>
-          </a:prstGeom>
-          <a:noFill/>
-        </p:spPr>
-        <p:txBody>
-          <a:bodyPr rot="0" spcFirstLastPara="0" vertOverflow="overflow" horzOverflow="overflow" vert="horz" wrap="square" lIns="91440" tIns="45720" rIns="91440" bIns="45720" numCol="1" spcCol="0" rtlCol="0" fromWordArt="0" anchor="t" anchorCtr="0" forceAA="0" compatLnSpc="1">
-            <a:prstTxWarp prst="textNoShape">
-              <a:avLst/>
-            </a:prstTxWarp>
-            <a:spAutoFit/>
-          </a:bodyPr>
-          <a:lstStyle/>
-          <a:p>
-            <a:pPr algn="r"/>
-            <a:r>
-              <a:rPr lang="pt-PT" sz="900" dirty="0" err="1">
-                <a:solidFill>
-                  <a:srgbClr val="FFFFFF"/>
-                </a:solidFill>
-                <a:latin typeface="Times New Roman"/>
-                <a:cs typeface="Times New Roman"/>
-              </a:rPr>
-              <a:t>Session</a:t>
-            </a:r>
-            <a:r>
-              <a:rPr lang="pt-PT" sz="900" dirty="0">
-                <a:solidFill>
-                  <a:srgbClr val="FFFFFF"/>
-                </a:solidFill>
-                <a:latin typeface="Times New Roman"/>
-                <a:cs typeface="Times New Roman"/>
-              </a:rPr>
-              <a:t> 3</a:t>
-            </a:r>
-            <a:endParaRPr lang="pt-PT" dirty="0"/>
-          </a:p>
-        </p:txBody>
-      </p:sp>
       <p:pic>
         <p:nvPicPr>
           <p:cNvPr id="8" name="Imagem 7" descr="Uma imagem com texto, captura de ecrã, software&#10;&#10;Descrição gerada automaticamente">
@@ -5951,6 +5896,62 @@
           </a:prstGeom>
         </p:spPr>
       </p:pic>
+      <p:sp>
+        <p:nvSpPr>
+          <p:cNvPr id="11" name="CaixaDeTexto 10">
+            <a:extLst>
+              <a:ext uri="{FF2B5EF4-FFF2-40B4-BE49-F238E27FC236}">
+                <a16:creationId xmlns:a16="http://schemas.microsoft.com/office/drawing/2014/main" id="{60948C3E-23C7-1701-2DCF-7B8C9FC94361}"/>
+              </a:ext>
+            </a:extLst>
+          </p:cNvPr>
+          <p:cNvSpPr txBox="1"/>
+          <p:nvPr/>
+        </p:nvSpPr>
+        <p:spPr>
+          <a:xfrm>
+            <a:off x="5275244" y="6624808"/>
+            <a:ext cx="6801079" cy="230832"/>
+          </a:xfrm>
+          <a:prstGeom prst="rect">
+            <a:avLst/>
+          </a:prstGeom>
+          <a:noFill/>
+        </p:spPr>
+        <p:txBody>
+          <a:bodyPr rot="0" spcFirstLastPara="0" vertOverflow="overflow" horzOverflow="overflow" vert="horz" wrap="square" lIns="91440" tIns="45720" rIns="91440" bIns="45720" numCol="1" spcCol="0" rtlCol="0" fromWordArt="0" anchor="t" anchorCtr="0" forceAA="0" compatLnSpc="1">
+            <a:prstTxWarp prst="textNoShape">
+              <a:avLst/>
+            </a:prstTxWarp>
+            <a:spAutoFit/>
+          </a:bodyPr>
+          <a:lstStyle/>
+          <a:p>
+            <a:pPr algn="r"/>
+            <a:r>
+              <a:rPr lang="pt-PT" sz="900" dirty="0" err="1">
+                <a:solidFill>
+                  <a:srgbClr val="FFFFFF"/>
+                </a:solidFill>
+                <a:latin typeface="Times New Roman"/>
+                <a:cs typeface="Times New Roman"/>
+              </a:rPr>
+              <a:t>Session</a:t>
+            </a:r>
+            <a:r>
+              <a:rPr lang="pt-PT" sz="900" dirty="0">
+                <a:solidFill>
+                  <a:srgbClr val="FFFFFF"/>
+                </a:solidFill>
+                <a:latin typeface="Times New Roman"/>
+                <a:cs typeface="Times New Roman"/>
+              </a:rPr>
+              <a:t> 4</a:t>
+            </a:r>
+            <a:endParaRPr lang="pt-PT" dirty="0"/>
+          </a:p>
+        </p:txBody>
+      </p:sp>
     </p:spTree>
     <p:extLst>
       <p:ext uri="{BB962C8B-B14F-4D97-AF65-F5344CB8AC3E}">
@@ -6924,10 +6925,10 @@
       </p:sp>
       <p:sp>
         <p:nvSpPr>
-          <p:cNvPr id="6" name="CaixaDeTexto 5">
+          <p:cNvPr id="9" name="CaixaDeTexto 8">
             <a:extLst>
               <a:ext uri="{FF2B5EF4-FFF2-40B4-BE49-F238E27FC236}">
-                <a16:creationId xmlns:a16="http://schemas.microsoft.com/office/drawing/2014/main" id="{AE4BAC88-6A2B-E578-4ABE-EF35CB42086C}"/>
+                <a16:creationId xmlns:a16="http://schemas.microsoft.com/office/drawing/2014/main" id="{680210B2-C250-6C9C-BC9C-495487CE66D7}"/>
               </a:ext>
             </a:extLst>
           </p:cNvPr>
@@ -6972,7 +6973,7 @@
                 <a:latin typeface="Times New Roman"/>
                 <a:cs typeface="Times New Roman"/>
               </a:rPr>
-              <a:t> 3</a:t>
+              <a:t> 4</a:t>
             </a:r>
             <a:endParaRPr lang="pt-PT" dirty="0"/>
           </a:p>
@@ -7755,62 +7756,6 @@
           </a:p>
         </p:txBody>
       </p:sp>
-      <p:sp>
-        <p:nvSpPr>
-          <p:cNvPr id="6" name="CaixaDeTexto 5">
-            <a:extLst>
-              <a:ext uri="{FF2B5EF4-FFF2-40B4-BE49-F238E27FC236}">
-                <a16:creationId xmlns:a16="http://schemas.microsoft.com/office/drawing/2014/main" id="{AE4BAC88-6A2B-E578-4ABE-EF35CB42086C}"/>
-              </a:ext>
-            </a:extLst>
-          </p:cNvPr>
-          <p:cNvSpPr txBox="1"/>
-          <p:nvPr/>
-        </p:nvSpPr>
-        <p:spPr>
-          <a:xfrm>
-            <a:off x="5275244" y="6624808"/>
-            <a:ext cx="6801079" cy="230832"/>
-          </a:xfrm>
-          <a:prstGeom prst="rect">
-            <a:avLst/>
-          </a:prstGeom>
-          <a:noFill/>
-        </p:spPr>
-        <p:txBody>
-          <a:bodyPr rot="0" spcFirstLastPara="0" vertOverflow="overflow" horzOverflow="overflow" vert="horz" wrap="square" lIns="91440" tIns="45720" rIns="91440" bIns="45720" numCol="1" spcCol="0" rtlCol="0" fromWordArt="0" anchor="t" anchorCtr="0" forceAA="0" compatLnSpc="1">
-            <a:prstTxWarp prst="textNoShape">
-              <a:avLst/>
-            </a:prstTxWarp>
-            <a:spAutoFit/>
-          </a:bodyPr>
-          <a:lstStyle/>
-          <a:p>
-            <a:pPr algn="r"/>
-            <a:r>
-              <a:rPr lang="pt-PT" sz="900" dirty="0" err="1">
-                <a:solidFill>
-                  <a:srgbClr val="FFFFFF"/>
-                </a:solidFill>
-                <a:latin typeface="Times New Roman"/>
-                <a:cs typeface="Times New Roman"/>
-              </a:rPr>
-              <a:t>Session</a:t>
-            </a:r>
-            <a:r>
-              <a:rPr lang="pt-PT" sz="900" dirty="0">
-                <a:solidFill>
-                  <a:srgbClr val="FFFFFF"/>
-                </a:solidFill>
-                <a:latin typeface="Times New Roman"/>
-                <a:cs typeface="Times New Roman"/>
-              </a:rPr>
-              <a:t> 3</a:t>
-            </a:r>
-            <a:endParaRPr lang="pt-PT" dirty="0"/>
-          </a:p>
-        </p:txBody>
-      </p:sp>
       <p:pic>
         <p:nvPicPr>
           <p:cNvPr id="8" name="Imagem 7" descr="Uma imagem com texto, captura de ecrã, Tipo de letra, software&#10;&#10;Descrição gerada automaticamente">
@@ -7841,6 +7786,62 @@
           </a:prstGeom>
         </p:spPr>
       </p:pic>
+      <p:sp>
+        <p:nvSpPr>
+          <p:cNvPr id="10" name="CaixaDeTexto 9">
+            <a:extLst>
+              <a:ext uri="{FF2B5EF4-FFF2-40B4-BE49-F238E27FC236}">
+                <a16:creationId xmlns:a16="http://schemas.microsoft.com/office/drawing/2014/main" id="{CFB64A31-6DDE-C546-73C5-55AE319349FF}"/>
+              </a:ext>
+            </a:extLst>
+          </p:cNvPr>
+          <p:cNvSpPr txBox="1"/>
+          <p:nvPr/>
+        </p:nvSpPr>
+        <p:spPr>
+          <a:xfrm>
+            <a:off x="5275244" y="6624808"/>
+            <a:ext cx="6801079" cy="230832"/>
+          </a:xfrm>
+          <a:prstGeom prst="rect">
+            <a:avLst/>
+          </a:prstGeom>
+          <a:noFill/>
+        </p:spPr>
+        <p:txBody>
+          <a:bodyPr rot="0" spcFirstLastPara="0" vertOverflow="overflow" horzOverflow="overflow" vert="horz" wrap="square" lIns="91440" tIns="45720" rIns="91440" bIns="45720" numCol="1" spcCol="0" rtlCol="0" fromWordArt="0" anchor="t" anchorCtr="0" forceAA="0" compatLnSpc="1">
+            <a:prstTxWarp prst="textNoShape">
+              <a:avLst/>
+            </a:prstTxWarp>
+            <a:spAutoFit/>
+          </a:bodyPr>
+          <a:lstStyle/>
+          <a:p>
+            <a:pPr algn="r"/>
+            <a:r>
+              <a:rPr lang="pt-PT" sz="900" dirty="0" err="1">
+                <a:solidFill>
+                  <a:srgbClr val="FFFFFF"/>
+                </a:solidFill>
+                <a:latin typeface="Times New Roman"/>
+                <a:cs typeface="Times New Roman"/>
+              </a:rPr>
+              <a:t>Session</a:t>
+            </a:r>
+            <a:r>
+              <a:rPr lang="pt-PT" sz="900" dirty="0">
+                <a:solidFill>
+                  <a:srgbClr val="FFFFFF"/>
+                </a:solidFill>
+                <a:latin typeface="Times New Roman"/>
+                <a:cs typeface="Times New Roman"/>
+              </a:rPr>
+              <a:t> 4</a:t>
+            </a:r>
+            <a:endParaRPr lang="pt-PT" dirty="0"/>
+          </a:p>
+        </p:txBody>
+      </p:sp>
     </p:spTree>
     <p:extLst>
       <p:ext uri="{BB962C8B-B14F-4D97-AF65-F5344CB8AC3E}">
@@ -8193,62 +8194,6 @@
           </a:p>
         </p:txBody>
       </p:sp>
-      <p:sp>
-        <p:nvSpPr>
-          <p:cNvPr id="6" name="CaixaDeTexto 5">
-            <a:extLst>
-              <a:ext uri="{FF2B5EF4-FFF2-40B4-BE49-F238E27FC236}">
-                <a16:creationId xmlns:a16="http://schemas.microsoft.com/office/drawing/2014/main" id="{AE4BAC88-6A2B-E578-4ABE-EF35CB42086C}"/>
-              </a:ext>
-            </a:extLst>
-          </p:cNvPr>
-          <p:cNvSpPr txBox="1"/>
-          <p:nvPr/>
-        </p:nvSpPr>
-        <p:spPr>
-          <a:xfrm>
-            <a:off x="5275244" y="6624808"/>
-            <a:ext cx="6801079" cy="230832"/>
-          </a:xfrm>
-          <a:prstGeom prst="rect">
-            <a:avLst/>
-          </a:prstGeom>
-          <a:noFill/>
-        </p:spPr>
-        <p:txBody>
-          <a:bodyPr rot="0" spcFirstLastPara="0" vertOverflow="overflow" horzOverflow="overflow" vert="horz" wrap="square" lIns="91440" tIns="45720" rIns="91440" bIns="45720" numCol="1" spcCol="0" rtlCol="0" fromWordArt="0" anchor="t" anchorCtr="0" forceAA="0" compatLnSpc="1">
-            <a:prstTxWarp prst="textNoShape">
-              <a:avLst/>
-            </a:prstTxWarp>
-            <a:spAutoFit/>
-          </a:bodyPr>
-          <a:lstStyle/>
-          <a:p>
-            <a:pPr algn="r"/>
-            <a:r>
-              <a:rPr lang="pt-PT" sz="900" dirty="0" err="1">
-                <a:solidFill>
-                  <a:srgbClr val="FFFFFF"/>
-                </a:solidFill>
-                <a:latin typeface="Times New Roman"/>
-                <a:cs typeface="Times New Roman"/>
-              </a:rPr>
-              <a:t>Session</a:t>
-            </a:r>
-            <a:r>
-              <a:rPr lang="pt-PT" sz="900" dirty="0">
-                <a:solidFill>
-                  <a:srgbClr val="FFFFFF"/>
-                </a:solidFill>
-                <a:latin typeface="Times New Roman"/>
-                <a:cs typeface="Times New Roman"/>
-              </a:rPr>
-              <a:t> 3</a:t>
-            </a:r>
-            <a:endParaRPr lang="pt-PT" dirty="0"/>
-          </a:p>
-        </p:txBody>
-      </p:sp>
       <p:pic>
         <p:nvPicPr>
           <p:cNvPr id="13" name="Marcador de Posição de Conteúdo 12" descr="Uma imagem com texto, captura de ecrã, software, Sistema operativo&#10;&#10;Descrição gerada automaticamente">
@@ -8308,6 +8253,62 @@
           </a:prstGeom>
         </p:spPr>
       </p:pic>
+      <p:sp>
+        <p:nvSpPr>
+          <p:cNvPr id="8" name="CaixaDeTexto 7">
+            <a:extLst>
+              <a:ext uri="{FF2B5EF4-FFF2-40B4-BE49-F238E27FC236}">
+                <a16:creationId xmlns:a16="http://schemas.microsoft.com/office/drawing/2014/main" id="{0271EFFE-2F44-BC2A-C217-8C1D76D20FFF}"/>
+              </a:ext>
+            </a:extLst>
+          </p:cNvPr>
+          <p:cNvSpPr txBox="1"/>
+          <p:nvPr/>
+        </p:nvSpPr>
+        <p:spPr>
+          <a:xfrm>
+            <a:off x="5275244" y="6624808"/>
+            <a:ext cx="6801079" cy="230832"/>
+          </a:xfrm>
+          <a:prstGeom prst="rect">
+            <a:avLst/>
+          </a:prstGeom>
+          <a:noFill/>
+        </p:spPr>
+        <p:txBody>
+          <a:bodyPr rot="0" spcFirstLastPara="0" vertOverflow="overflow" horzOverflow="overflow" vert="horz" wrap="square" lIns="91440" tIns="45720" rIns="91440" bIns="45720" numCol="1" spcCol="0" rtlCol="0" fromWordArt="0" anchor="t" anchorCtr="0" forceAA="0" compatLnSpc="1">
+            <a:prstTxWarp prst="textNoShape">
+              <a:avLst/>
+            </a:prstTxWarp>
+            <a:spAutoFit/>
+          </a:bodyPr>
+          <a:lstStyle/>
+          <a:p>
+            <a:pPr algn="r"/>
+            <a:r>
+              <a:rPr lang="pt-PT" sz="900" dirty="0" err="1">
+                <a:solidFill>
+                  <a:srgbClr val="FFFFFF"/>
+                </a:solidFill>
+                <a:latin typeface="Times New Roman"/>
+                <a:cs typeface="Times New Roman"/>
+              </a:rPr>
+              <a:t>Session</a:t>
+            </a:r>
+            <a:r>
+              <a:rPr lang="pt-PT" sz="900" dirty="0">
+                <a:solidFill>
+                  <a:srgbClr val="FFFFFF"/>
+                </a:solidFill>
+                <a:latin typeface="Times New Roman"/>
+                <a:cs typeface="Times New Roman"/>
+              </a:rPr>
+              <a:t> 4</a:t>
+            </a:r>
+            <a:endParaRPr lang="pt-PT" dirty="0"/>
+          </a:p>
+        </p:txBody>
+      </p:sp>
     </p:spTree>
     <p:extLst>
       <p:ext uri="{BB962C8B-B14F-4D97-AF65-F5344CB8AC3E}">
@@ -8787,62 +8788,6 @@
           </a:p>
         </p:txBody>
       </p:sp>
-      <p:sp>
-        <p:nvSpPr>
-          <p:cNvPr id="6" name="CaixaDeTexto 5">
-            <a:extLst>
-              <a:ext uri="{FF2B5EF4-FFF2-40B4-BE49-F238E27FC236}">
-                <a16:creationId xmlns:a16="http://schemas.microsoft.com/office/drawing/2014/main" id="{AE4BAC88-6A2B-E578-4ABE-EF35CB42086C}"/>
-              </a:ext>
-            </a:extLst>
-          </p:cNvPr>
-          <p:cNvSpPr txBox="1"/>
-          <p:nvPr/>
-        </p:nvSpPr>
-        <p:spPr>
-          <a:xfrm>
-            <a:off x="5275244" y="6624808"/>
-            <a:ext cx="6801079" cy="230832"/>
-          </a:xfrm>
-          <a:prstGeom prst="rect">
-            <a:avLst/>
-          </a:prstGeom>
-          <a:noFill/>
-        </p:spPr>
-        <p:txBody>
-          <a:bodyPr rot="0" spcFirstLastPara="0" vertOverflow="overflow" horzOverflow="overflow" vert="horz" wrap="square" lIns="91440" tIns="45720" rIns="91440" bIns="45720" numCol="1" spcCol="0" rtlCol="0" fromWordArt="0" anchor="t" anchorCtr="0" forceAA="0" compatLnSpc="1">
-            <a:prstTxWarp prst="textNoShape">
-              <a:avLst/>
-            </a:prstTxWarp>
-            <a:spAutoFit/>
-          </a:bodyPr>
-          <a:lstStyle/>
-          <a:p>
-            <a:pPr algn="r"/>
-            <a:r>
-              <a:rPr lang="pt-PT" sz="900" dirty="0" err="1">
-                <a:solidFill>
-                  <a:srgbClr val="FFFFFF"/>
-                </a:solidFill>
-                <a:latin typeface="Times New Roman"/>
-                <a:cs typeface="Times New Roman"/>
-              </a:rPr>
-              <a:t>Session</a:t>
-            </a:r>
-            <a:r>
-              <a:rPr lang="pt-PT" sz="900" dirty="0">
-                <a:solidFill>
-                  <a:srgbClr val="FFFFFF"/>
-                </a:solidFill>
-                <a:latin typeface="Times New Roman"/>
-                <a:cs typeface="Times New Roman"/>
-              </a:rPr>
-              <a:t> 3</a:t>
-            </a:r>
-            <a:endParaRPr lang="pt-PT" dirty="0"/>
-          </a:p>
-        </p:txBody>
-      </p:sp>
       <p:pic>
         <p:nvPicPr>
           <p:cNvPr id="8" name="Imagem 7" descr="Uma imagem com texto, captura de ecrã, Tipo de letra&#10;&#10;Descrição gerada automaticamente">
@@ -8903,6 +8848,62 @@
           </a:prstGeom>
         </p:spPr>
       </p:pic>
+      <p:sp>
+        <p:nvSpPr>
+          <p:cNvPr id="11" name="CaixaDeTexto 10">
+            <a:extLst>
+              <a:ext uri="{FF2B5EF4-FFF2-40B4-BE49-F238E27FC236}">
+                <a16:creationId xmlns:a16="http://schemas.microsoft.com/office/drawing/2014/main" id="{8FBBD9D8-DE8F-50E5-9955-801791E9F869}"/>
+              </a:ext>
+            </a:extLst>
+          </p:cNvPr>
+          <p:cNvSpPr txBox="1"/>
+          <p:nvPr/>
+        </p:nvSpPr>
+        <p:spPr>
+          <a:xfrm>
+            <a:off x="5275244" y="6624808"/>
+            <a:ext cx="6801079" cy="230832"/>
+          </a:xfrm>
+          <a:prstGeom prst="rect">
+            <a:avLst/>
+          </a:prstGeom>
+          <a:noFill/>
+        </p:spPr>
+        <p:txBody>
+          <a:bodyPr rot="0" spcFirstLastPara="0" vertOverflow="overflow" horzOverflow="overflow" vert="horz" wrap="square" lIns="91440" tIns="45720" rIns="91440" bIns="45720" numCol="1" spcCol="0" rtlCol="0" fromWordArt="0" anchor="t" anchorCtr="0" forceAA="0" compatLnSpc="1">
+            <a:prstTxWarp prst="textNoShape">
+              <a:avLst/>
+            </a:prstTxWarp>
+            <a:spAutoFit/>
+          </a:bodyPr>
+          <a:lstStyle/>
+          <a:p>
+            <a:pPr algn="r"/>
+            <a:r>
+              <a:rPr lang="pt-PT" sz="900" dirty="0" err="1">
+                <a:solidFill>
+                  <a:srgbClr val="FFFFFF"/>
+                </a:solidFill>
+                <a:latin typeface="Times New Roman"/>
+                <a:cs typeface="Times New Roman"/>
+              </a:rPr>
+              <a:t>Session</a:t>
+            </a:r>
+            <a:r>
+              <a:rPr lang="pt-PT" sz="900" dirty="0">
+                <a:solidFill>
+                  <a:srgbClr val="FFFFFF"/>
+                </a:solidFill>
+                <a:latin typeface="Times New Roman"/>
+                <a:cs typeface="Times New Roman"/>
+              </a:rPr>
+              <a:t> 4</a:t>
+            </a:r>
+            <a:endParaRPr lang="pt-PT" dirty="0"/>
+          </a:p>
+        </p:txBody>
+      </p:sp>
     </p:spTree>
     <p:extLst>
       <p:ext uri="{BB962C8B-B14F-4D97-AF65-F5344CB8AC3E}">
@@ -9754,62 +9755,6 @@
           </a:p>
         </p:txBody>
       </p:sp>
-      <p:sp>
-        <p:nvSpPr>
-          <p:cNvPr id="6" name="CaixaDeTexto 5">
-            <a:extLst>
-              <a:ext uri="{FF2B5EF4-FFF2-40B4-BE49-F238E27FC236}">
-                <a16:creationId xmlns:a16="http://schemas.microsoft.com/office/drawing/2014/main" id="{AE4BAC88-6A2B-E578-4ABE-EF35CB42086C}"/>
-              </a:ext>
-            </a:extLst>
-          </p:cNvPr>
-          <p:cNvSpPr txBox="1"/>
-          <p:nvPr/>
-        </p:nvSpPr>
-        <p:spPr>
-          <a:xfrm>
-            <a:off x="5275244" y="6624808"/>
-            <a:ext cx="6801079" cy="230832"/>
-          </a:xfrm>
-          <a:prstGeom prst="rect">
-            <a:avLst/>
-          </a:prstGeom>
-          <a:noFill/>
-        </p:spPr>
-        <p:txBody>
-          <a:bodyPr rot="0" spcFirstLastPara="0" vertOverflow="overflow" horzOverflow="overflow" vert="horz" wrap="square" lIns="91440" tIns="45720" rIns="91440" bIns="45720" numCol="1" spcCol="0" rtlCol="0" fromWordArt="0" anchor="t" anchorCtr="0" forceAA="0" compatLnSpc="1">
-            <a:prstTxWarp prst="textNoShape">
-              <a:avLst/>
-            </a:prstTxWarp>
-            <a:spAutoFit/>
-          </a:bodyPr>
-          <a:lstStyle/>
-          <a:p>
-            <a:pPr algn="r"/>
-            <a:r>
-              <a:rPr lang="pt-PT" sz="900" dirty="0" err="1">
-                <a:solidFill>
-                  <a:srgbClr val="FFFFFF"/>
-                </a:solidFill>
-                <a:latin typeface="Times New Roman"/>
-                <a:cs typeface="Times New Roman"/>
-              </a:rPr>
-              <a:t>Session</a:t>
-            </a:r>
-            <a:r>
-              <a:rPr lang="pt-PT" sz="900" dirty="0">
-                <a:solidFill>
-                  <a:srgbClr val="FFFFFF"/>
-                </a:solidFill>
-                <a:latin typeface="Times New Roman"/>
-                <a:cs typeface="Times New Roman"/>
-              </a:rPr>
-              <a:t> 3</a:t>
-            </a:r>
-            <a:endParaRPr lang="pt-PT" dirty="0"/>
-          </a:p>
-        </p:txBody>
-      </p:sp>
       <p:pic>
         <p:nvPicPr>
           <p:cNvPr id="8" name="Imagem 7" descr="Uma imagem com texto, captura de ecrã&#10;&#10;Descrição gerada automaticamente">
@@ -9870,6 +9815,62 @@
           </a:prstGeom>
         </p:spPr>
       </p:pic>
+      <p:sp>
+        <p:nvSpPr>
+          <p:cNvPr id="11" name="CaixaDeTexto 10">
+            <a:extLst>
+              <a:ext uri="{FF2B5EF4-FFF2-40B4-BE49-F238E27FC236}">
+                <a16:creationId xmlns:a16="http://schemas.microsoft.com/office/drawing/2014/main" id="{45B9C01B-D6C2-3F65-42BF-DBBA6FB86A04}"/>
+              </a:ext>
+            </a:extLst>
+          </p:cNvPr>
+          <p:cNvSpPr txBox="1"/>
+          <p:nvPr/>
+        </p:nvSpPr>
+        <p:spPr>
+          <a:xfrm>
+            <a:off x="5275244" y="6624808"/>
+            <a:ext cx="6801079" cy="230832"/>
+          </a:xfrm>
+          <a:prstGeom prst="rect">
+            <a:avLst/>
+          </a:prstGeom>
+          <a:noFill/>
+        </p:spPr>
+        <p:txBody>
+          <a:bodyPr rot="0" spcFirstLastPara="0" vertOverflow="overflow" horzOverflow="overflow" vert="horz" wrap="square" lIns="91440" tIns="45720" rIns="91440" bIns="45720" numCol="1" spcCol="0" rtlCol="0" fromWordArt="0" anchor="t" anchorCtr="0" forceAA="0" compatLnSpc="1">
+            <a:prstTxWarp prst="textNoShape">
+              <a:avLst/>
+            </a:prstTxWarp>
+            <a:spAutoFit/>
+          </a:bodyPr>
+          <a:lstStyle/>
+          <a:p>
+            <a:pPr algn="r"/>
+            <a:r>
+              <a:rPr lang="pt-PT" sz="900" dirty="0" err="1">
+                <a:solidFill>
+                  <a:srgbClr val="FFFFFF"/>
+                </a:solidFill>
+                <a:latin typeface="Times New Roman"/>
+                <a:cs typeface="Times New Roman"/>
+              </a:rPr>
+              <a:t>Session</a:t>
+            </a:r>
+            <a:r>
+              <a:rPr lang="pt-PT" sz="900" dirty="0">
+                <a:solidFill>
+                  <a:srgbClr val="FFFFFF"/>
+                </a:solidFill>
+                <a:latin typeface="Times New Roman"/>
+                <a:cs typeface="Times New Roman"/>
+              </a:rPr>
+              <a:t> 4</a:t>
+            </a:r>
+            <a:endParaRPr lang="pt-PT" dirty="0"/>
+          </a:p>
+        </p:txBody>
+      </p:sp>
     </p:spTree>
     <p:extLst>
       <p:ext uri="{BB962C8B-B14F-4D97-AF65-F5344CB8AC3E}">
@@ -10929,62 +10930,6 @@
           </a:p>
         </p:txBody>
       </p:sp>
-      <p:sp>
-        <p:nvSpPr>
-          <p:cNvPr id="6" name="CaixaDeTexto 5">
-            <a:extLst>
-              <a:ext uri="{FF2B5EF4-FFF2-40B4-BE49-F238E27FC236}">
-                <a16:creationId xmlns:a16="http://schemas.microsoft.com/office/drawing/2014/main" id="{AE4BAC88-6A2B-E578-4ABE-EF35CB42086C}"/>
-              </a:ext>
-            </a:extLst>
-          </p:cNvPr>
-          <p:cNvSpPr txBox="1"/>
-          <p:nvPr/>
-        </p:nvSpPr>
-        <p:spPr>
-          <a:xfrm>
-            <a:off x="5275244" y="6624808"/>
-            <a:ext cx="6801079" cy="230832"/>
-          </a:xfrm>
-          <a:prstGeom prst="rect">
-            <a:avLst/>
-          </a:prstGeom>
-          <a:noFill/>
-        </p:spPr>
-        <p:txBody>
-          <a:bodyPr rot="0" spcFirstLastPara="0" vertOverflow="overflow" horzOverflow="overflow" vert="horz" wrap="square" lIns="91440" tIns="45720" rIns="91440" bIns="45720" numCol="1" spcCol="0" rtlCol="0" fromWordArt="0" anchor="t" anchorCtr="0" forceAA="0" compatLnSpc="1">
-            <a:prstTxWarp prst="textNoShape">
-              <a:avLst/>
-            </a:prstTxWarp>
-            <a:spAutoFit/>
-          </a:bodyPr>
-          <a:lstStyle/>
-          <a:p>
-            <a:pPr algn="r"/>
-            <a:r>
-              <a:rPr lang="pt-PT" sz="900" dirty="0" err="1">
-                <a:solidFill>
-                  <a:srgbClr val="FFFFFF"/>
-                </a:solidFill>
-                <a:latin typeface="Times New Roman"/>
-                <a:cs typeface="Times New Roman"/>
-              </a:rPr>
-              <a:t>Session</a:t>
-            </a:r>
-            <a:r>
-              <a:rPr lang="pt-PT" sz="900" dirty="0">
-                <a:solidFill>
-                  <a:srgbClr val="FFFFFF"/>
-                </a:solidFill>
-                <a:latin typeface="Times New Roman"/>
-                <a:cs typeface="Times New Roman"/>
-              </a:rPr>
-              <a:t> 3</a:t>
-            </a:r>
-            <a:endParaRPr lang="pt-PT" dirty="0"/>
-          </a:p>
-        </p:txBody>
-      </p:sp>
       <p:pic>
         <p:nvPicPr>
           <p:cNvPr id="8" name="Imagem 7" descr="Uma imagem com texto, captura de ecrã, Tipo de letra&#10;&#10;Descrição gerada automaticamente">
@@ -11045,6 +10990,62 @@
           </a:prstGeom>
         </p:spPr>
       </p:pic>
+      <p:sp>
+        <p:nvSpPr>
+          <p:cNvPr id="11" name="CaixaDeTexto 10">
+            <a:extLst>
+              <a:ext uri="{FF2B5EF4-FFF2-40B4-BE49-F238E27FC236}">
+                <a16:creationId xmlns:a16="http://schemas.microsoft.com/office/drawing/2014/main" id="{4CC6C967-36A6-6FC5-5C37-891D80ABA287}"/>
+              </a:ext>
+            </a:extLst>
+          </p:cNvPr>
+          <p:cNvSpPr txBox="1"/>
+          <p:nvPr/>
+        </p:nvSpPr>
+        <p:spPr>
+          <a:xfrm>
+            <a:off x="5275244" y="6624808"/>
+            <a:ext cx="6801079" cy="230832"/>
+          </a:xfrm>
+          <a:prstGeom prst="rect">
+            <a:avLst/>
+          </a:prstGeom>
+          <a:noFill/>
+        </p:spPr>
+        <p:txBody>
+          <a:bodyPr rot="0" spcFirstLastPara="0" vertOverflow="overflow" horzOverflow="overflow" vert="horz" wrap="square" lIns="91440" tIns="45720" rIns="91440" bIns="45720" numCol="1" spcCol="0" rtlCol="0" fromWordArt="0" anchor="t" anchorCtr="0" forceAA="0" compatLnSpc="1">
+            <a:prstTxWarp prst="textNoShape">
+              <a:avLst/>
+            </a:prstTxWarp>
+            <a:spAutoFit/>
+          </a:bodyPr>
+          <a:lstStyle/>
+          <a:p>
+            <a:pPr algn="r"/>
+            <a:r>
+              <a:rPr lang="pt-PT" sz="900" dirty="0" err="1">
+                <a:solidFill>
+                  <a:srgbClr val="FFFFFF"/>
+                </a:solidFill>
+                <a:latin typeface="Times New Roman"/>
+                <a:cs typeface="Times New Roman"/>
+              </a:rPr>
+              <a:t>Session</a:t>
+            </a:r>
+            <a:r>
+              <a:rPr lang="pt-PT" sz="900" dirty="0">
+                <a:solidFill>
+                  <a:srgbClr val="FFFFFF"/>
+                </a:solidFill>
+                <a:latin typeface="Times New Roman"/>
+                <a:cs typeface="Times New Roman"/>
+              </a:rPr>
+              <a:t> 4</a:t>
+            </a:r>
+            <a:endParaRPr lang="pt-PT" dirty="0"/>
+          </a:p>
+        </p:txBody>
+      </p:sp>
     </p:spTree>
     <p:extLst>
       <p:ext uri="{BB962C8B-B14F-4D97-AF65-F5344CB8AC3E}">
@@ -11377,62 +11378,6 @@
           </a:p>
         </p:txBody>
       </p:sp>
-      <p:sp>
-        <p:nvSpPr>
-          <p:cNvPr id="6" name="CaixaDeTexto 5">
-            <a:extLst>
-              <a:ext uri="{FF2B5EF4-FFF2-40B4-BE49-F238E27FC236}">
-                <a16:creationId xmlns:a16="http://schemas.microsoft.com/office/drawing/2014/main" id="{AE4BAC88-6A2B-E578-4ABE-EF35CB42086C}"/>
-              </a:ext>
-            </a:extLst>
-          </p:cNvPr>
-          <p:cNvSpPr txBox="1"/>
-          <p:nvPr/>
-        </p:nvSpPr>
-        <p:spPr>
-          <a:xfrm>
-            <a:off x="5275244" y="6624808"/>
-            <a:ext cx="6801079" cy="230832"/>
-          </a:xfrm>
-          <a:prstGeom prst="rect">
-            <a:avLst/>
-          </a:prstGeom>
-          <a:noFill/>
-        </p:spPr>
-        <p:txBody>
-          <a:bodyPr rot="0" spcFirstLastPara="0" vertOverflow="overflow" horzOverflow="overflow" vert="horz" wrap="square" lIns="91440" tIns="45720" rIns="91440" bIns="45720" numCol="1" spcCol="0" rtlCol="0" fromWordArt="0" anchor="t" anchorCtr="0" forceAA="0" compatLnSpc="1">
-            <a:prstTxWarp prst="textNoShape">
-              <a:avLst/>
-            </a:prstTxWarp>
-            <a:spAutoFit/>
-          </a:bodyPr>
-          <a:lstStyle/>
-          <a:p>
-            <a:pPr algn="r"/>
-            <a:r>
-              <a:rPr lang="pt-PT" sz="900" dirty="0" err="1">
-                <a:solidFill>
-                  <a:srgbClr val="FFFFFF"/>
-                </a:solidFill>
-                <a:latin typeface="Times New Roman"/>
-                <a:cs typeface="Times New Roman"/>
-              </a:rPr>
-              <a:t>Session</a:t>
-            </a:r>
-            <a:r>
-              <a:rPr lang="pt-PT" sz="900" dirty="0">
-                <a:solidFill>
-                  <a:srgbClr val="FFFFFF"/>
-                </a:solidFill>
-                <a:latin typeface="Times New Roman"/>
-                <a:cs typeface="Times New Roman"/>
-              </a:rPr>
-              <a:t> 3</a:t>
-            </a:r>
-            <a:endParaRPr lang="pt-PT" dirty="0"/>
-          </a:p>
-        </p:txBody>
-      </p:sp>
       <p:pic>
         <p:nvPicPr>
           <p:cNvPr id="8" name="Imagem 7" descr="Uma imagem com texto, captura de ecrã, software, Software de multimédia&#10;&#10;Descrição gerada automaticamente">
@@ -11492,6 +11437,62 @@
           </a:xfrm>
         </p:spPr>
       </p:pic>
+      <p:sp>
+        <p:nvSpPr>
+          <p:cNvPr id="9" name="CaixaDeTexto 8">
+            <a:extLst>
+              <a:ext uri="{FF2B5EF4-FFF2-40B4-BE49-F238E27FC236}">
+                <a16:creationId xmlns:a16="http://schemas.microsoft.com/office/drawing/2014/main" id="{A6904D90-149E-23FA-D43C-BC18AB82B676}"/>
+              </a:ext>
+            </a:extLst>
+          </p:cNvPr>
+          <p:cNvSpPr txBox="1"/>
+          <p:nvPr/>
+        </p:nvSpPr>
+        <p:spPr>
+          <a:xfrm>
+            <a:off x="5275244" y="6624808"/>
+            <a:ext cx="6801079" cy="230832"/>
+          </a:xfrm>
+          <a:prstGeom prst="rect">
+            <a:avLst/>
+          </a:prstGeom>
+          <a:noFill/>
+        </p:spPr>
+        <p:txBody>
+          <a:bodyPr rot="0" spcFirstLastPara="0" vertOverflow="overflow" horzOverflow="overflow" vert="horz" wrap="square" lIns="91440" tIns="45720" rIns="91440" bIns="45720" numCol="1" spcCol="0" rtlCol="0" fromWordArt="0" anchor="t" anchorCtr="0" forceAA="0" compatLnSpc="1">
+            <a:prstTxWarp prst="textNoShape">
+              <a:avLst/>
+            </a:prstTxWarp>
+            <a:spAutoFit/>
+          </a:bodyPr>
+          <a:lstStyle/>
+          <a:p>
+            <a:pPr algn="r"/>
+            <a:r>
+              <a:rPr lang="pt-PT" sz="900" dirty="0" err="1">
+                <a:solidFill>
+                  <a:srgbClr val="FFFFFF"/>
+                </a:solidFill>
+                <a:latin typeface="Times New Roman"/>
+                <a:cs typeface="Times New Roman"/>
+              </a:rPr>
+              <a:t>Session</a:t>
+            </a:r>
+            <a:r>
+              <a:rPr lang="pt-PT" sz="900" dirty="0">
+                <a:solidFill>
+                  <a:srgbClr val="FFFFFF"/>
+                </a:solidFill>
+                <a:latin typeface="Times New Roman"/>
+                <a:cs typeface="Times New Roman"/>
+              </a:rPr>
+              <a:t> 4</a:t>
+            </a:r>
+            <a:endParaRPr lang="pt-PT" dirty="0"/>
+          </a:p>
+        </p:txBody>
+      </p:sp>
     </p:spTree>
     <p:extLst>
       <p:ext uri="{BB962C8B-B14F-4D97-AF65-F5344CB8AC3E}">
@@ -12484,7 +12485,7 @@
                 <a:latin typeface="Times New Roman"/>
                 <a:cs typeface="Times New Roman"/>
               </a:rPr>
-              <a:t> 3</a:t>
+              <a:t> 4</a:t>
             </a:r>
             <a:endParaRPr lang="pt-PT" dirty="0"/>
           </a:p>
@@ -12931,62 +12932,6 @@
           </a:p>
         </p:txBody>
       </p:sp>
-      <p:sp>
-        <p:nvSpPr>
-          <p:cNvPr id="6" name="CaixaDeTexto 5">
-            <a:extLst>
-              <a:ext uri="{FF2B5EF4-FFF2-40B4-BE49-F238E27FC236}">
-                <a16:creationId xmlns:a16="http://schemas.microsoft.com/office/drawing/2014/main" id="{AE4BAC88-6A2B-E578-4ABE-EF35CB42086C}"/>
-              </a:ext>
-            </a:extLst>
-          </p:cNvPr>
-          <p:cNvSpPr txBox="1"/>
-          <p:nvPr/>
-        </p:nvSpPr>
-        <p:spPr>
-          <a:xfrm>
-            <a:off x="5275244" y="6624808"/>
-            <a:ext cx="6801079" cy="230832"/>
-          </a:xfrm>
-          <a:prstGeom prst="rect">
-            <a:avLst/>
-          </a:prstGeom>
-          <a:noFill/>
-        </p:spPr>
-        <p:txBody>
-          <a:bodyPr rot="0" spcFirstLastPara="0" vertOverflow="overflow" horzOverflow="overflow" vert="horz" wrap="square" lIns="91440" tIns="45720" rIns="91440" bIns="45720" numCol="1" spcCol="0" rtlCol="0" fromWordArt="0" anchor="t" anchorCtr="0" forceAA="0" compatLnSpc="1">
-            <a:prstTxWarp prst="textNoShape">
-              <a:avLst/>
-            </a:prstTxWarp>
-            <a:spAutoFit/>
-          </a:bodyPr>
-          <a:lstStyle/>
-          <a:p>
-            <a:pPr algn="r"/>
-            <a:r>
-              <a:rPr lang="pt-PT" sz="900" dirty="0" err="1">
-                <a:solidFill>
-                  <a:srgbClr val="FFFFFF"/>
-                </a:solidFill>
-                <a:latin typeface="Times New Roman"/>
-                <a:cs typeface="Times New Roman"/>
-              </a:rPr>
-              <a:t>Session</a:t>
-            </a:r>
-            <a:r>
-              <a:rPr lang="pt-PT" sz="900" dirty="0">
-                <a:solidFill>
-                  <a:srgbClr val="FFFFFF"/>
-                </a:solidFill>
-                <a:latin typeface="Times New Roman"/>
-                <a:cs typeface="Times New Roman"/>
-              </a:rPr>
-              <a:t> 3</a:t>
-            </a:r>
-            <a:endParaRPr lang="pt-PT" dirty="0"/>
-          </a:p>
-        </p:txBody>
-      </p:sp>
       <p:pic>
         <p:nvPicPr>
           <p:cNvPr id="8" name="Imagem 7" descr="Uma imagem com texto, captura de ecrã, Tipo de letra&#10;&#10;Descrição gerada automaticamente">
@@ -13017,6 +12962,62 @@
           </a:prstGeom>
         </p:spPr>
       </p:pic>
+      <p:sp>
+        <p:nvSpPr>
+          <p:cNvPr id="10" name="CaixaDeTexto 9">
+            <a:extLst>
+              <a:ext uri="{FF2B5EF4-FFF2-40B4-BE49-F238E27FC236}">
+                <a16:creationId xmlns:a16="http://schemas.microsoft.com/office/drawing/2014/main" id="{6C2E653B-B0C3-1314-63C8-D65DC043F011}"/>
+              </a:ext>
+            </a:extLst>
+          </p:cNvPr>
+          <p:cNvSpPr txBox="1"/>
+          <p:nvPr/>
+        </p:nvSpPr>
+        <p:spPr>
+          <a:xfrm>
+            <a:off x="5275244" y="6624808"/>
+            <a:ext cx="6801079" cy="230832"/>
+          </a:xfrm>
+          <a:prstGeom prst="rect">
+            <a:avLst/>
+          </a:prstGeom>
+          <a:noFill/>
+        </p:spPr>
+        <p:txBody>
+          <a:bodyPr rot="0" spcFirstLastPara="0" vertOverflow="overflow" horzOverflow="overflow" vert="horz" wrap="square" lIns="91440" tIns="45720" rIns="91440" bIns="45720" numCol="1" spcCol="0" rtlCol="0" fromWordArt="0" anchor="t" anchorCtr="0" forceAA="0" compatLnSpc="1">
+            <a:prstTxWarp prst="textNoShape">
+              <a:avLst/>
+            </a:prstTxWarp>
+            <a:spAutoFit/>
+          </a:bodyPr>
+          <a:lstStyle/>
+          <a:p>
+            <a:pPr algn="r"/>
+            <a:r>
+              <a:rPr lang="pt-PT" sz="900" dirty="0" err="1">
+                <a:solidFill>
+                  <a:srgbClr val="FFFFFF"/>
+                </a:solidFill>
+                <a:latin typeface="Times New Roman"/>
+                <a:cs typeface="Times New Roman"/>
+              </a:rPr>
+              <a:t>Session</a:t>
+            </a:r>
+            <a:r>
+              <a:rPr lang="pt-PT" sz="900" dirty="0">
+                <a:solidFill>
+                  <a:srgbClr val="FFFFFF"/>
+                </a:solidFill>
+                <a:latin typeface="Times New Roman"/>
+                <a:cs typeface="Times New Roman"/>
+              </a:rPr>
+              <a:t> 4</a:t>
+            </a:r>
+            <a:endParaRPr lang="pt-PT" dirty="0"/>
+          </a:p>
+        </p:txBody>
+      </p:sp>
     </p:spTree>
     <p:extLst>
       <p:ext uri="{BB962C8B-B14F-4D97-AF65-F5344CB8AC3E}">
@@ -13803,62 +13804,6 @@
           </a:p>
         </p:txBody>
       </p:sp>
-      <p:sp>
-        <p:nvSpPr>
-          <p:cNvPr id="6" name="CaixaDeTexto 5">
-            <a:extLst>
-              <a:ext uri="{FF2B5EF4-FFF2-40B4-BE49-F238E27FC236}">
-                <a16:creationId xmlns:a16="http://schemas.microsoft.com/office/drawing/2014/main" id="{AE4BAC88-6A2B-E578-4ABE-EF35CB42086C}"/>
-              </a:ext>
-            </a:extLst>
-          </p:cNvPr>
-          <p:cNvSpPr txBox="1"/>
-          <p:nvPr/>
-        </p:nvSpPr>
-        <p:spPr>
-          <a:xfrm>
-            <a:off x="5275244" y="6624808"/>
-            <a:ext cx="6801079" cy="230832"/>
-          </a:xfrm>
-          <a:prstGeom prst="rect">
-            <a:avLst/>
-          </a:prstGeom>
-          <a:noFill/>
-        </p:spPr>
-        <p:txBody>
-          <a:bodyPr rot="0" spcFirstLastPara="0" vertOverflow="overflow" horzOverflow="overflow" vert="horz" wrap="square" lIns="91440" tIns="45720" rIns="91440" bIns="45720" numCol="1" spcCol="0" rtlCol="0" fromWordArt="0" anchor="t" anchorCtr="0" forceAA="0" compatLnSpc="1">
-            <a:prstTxWarp prst="textNoShape">
-              <a:avLst/>
-            </a:prstTxWarp>
-            <a:spAutoFit/>
-          </a:bodyPr>
-          <a:lstStyle/>
-          <a:p>
-            <a:pPr algn="r"/>
-            <a:r>
-              <a:rPr lang="pt-PT" sz="900" dirty="0" err="1">
-                <a:solidFill>
-                  <a:srgbClr val="FFFFFF"/>
-                </a:solidFill>
-                <a:latin typeface="Times New Roman"/>
-                <a:cs typeface="Times New Roman"/>
-              </a:rPr>
-              <a:t>Session</a:t>
-            </a:r>
-            <a:r>
-              <a:rPr lang="pt-PT" sz="900" dirty="0">
-                <a:solidFill>
-                  <a:srgbClr val="FFFFFF"/>
-                </a:solidFill>
-                <a:latin typeface="Times New Roman"/>
-                <a:cs typeface="Times New Roman"/>
-              </a:rPr>
-              <a:t> 3</a:t>
-            </a:r>
-            <a:endParaRPr lang="pt-PT" dirty="0"/>
-          </a:p>
-        </p:txBody>
-      </p:sp>
       <p:pic>
         <p:nvPicPr>
           <p:cNvPr id="8" name="Imagem 7">
@@ -13919,6 +13864,62 @@
           </a:prstGeom>
         </p:spPr>
       </p:pic>
+      <p:sp>
+        <p:nvSpPr>
+          <p:cNvPr id="11" name="CaixaDeTexto 10">
+            <a:extLst>
+              <a:ext uri="{FF2B5EF4-FFF2-40B4-BE49-F238E27FC236}">
+                <a16:creationId xmlns:a16="http://schemas.microsoft.com/office/drawing/2014/main" id="{4C50BDA6-4AF2-051C-C05E-608C165F777D}"/>
+              </a:ext>
+            </a:extLst>
+          </p:cNvPr>
+          <p:cNvSpPr txBox="1"/>
+          <p:nvPr/>
+        </p:nvSpPr>
+        <p:spPr>
+          <a:xfrm>
+            <a:off x="5275244" y="6624808"/>
+            <a:ext cx="6801079" cy="230832"/>
+          </a:xfrm>
+          <a:prstGeom prst="rect">
+            <a:avLst/>
+          </a:prstGeom>
+          <a:noFill/>
+        </p:spPr>
+        <p:txBody>
+          <a:bodyPr rot="0" spcFirstLastPara="0" vertOverflow="overflow" horzOverflow="overflow" vert="horz" wrap="square" lIns="91440" tIns="45720" rIns="91440" bIns="45720" numCol="1" spcCol="0" rtlCol="0" fromWordArt="0" anchor="t" anchorCtr="0" forceAA="0" compatLnSpc="1">
+            <a:prstTxWarp prst="textNoShape">
+              <a:avLst/>
+            </a:prstTxWarp>
+            <a:spAutoFit/>
+          </a:bodyPr>
+          <a:lstStyle/>
+          <a:p>
+            <a:pPr algn="r"/>
+            <a:r>
+              <a:rPr lang="pt-PT" sz="900" dirty="0" err="1">
+                <a:solidFill>
+                  <a:srgbClr val="FFFFFF"/>
+                </a:solidFill>
+                <a:latin typeface="Times New Roman"/>
+                <a:cs typeface="Times New Roman"/>
+              </a:rPr>
+              <a:t>Session</a:t>
+            </a:r>
+            <a:r>
+              <a:rPr lang="pt-PT" sz="900" dirty="0">
+                <a:solidFill>
+                  <a:srgbClr val="FFFFFF"/>
+                </a:solidFill>
+                <a:latin typeface="Times New Roman"/>
+                <a:cs typeface="Times New Roman"/>
+              </a:rPr>
+              <a:t> 4</a:t>
+            </a:r>
+            <a:endParaRPr lang="pt-PT" dirty="0"/>
+          </a:p>
+        </p:txBody>
+      </p:sp>
     </p:spTree>
     <p:extLst>
       <p:ext uri="{BB962C8B-B14F-4D97-AF65-F5344CB8AC3E}">
@@ -14395,62 +14396,6 @@
           </a:p>
         </p:txBody>
       </p:sp>
-      <p:sp>
-        <p:nvSpPr>
-          <p:cNvPr id="6" name="CaixaDeTexto 5">
-            <a:extLst>
-              <a:ext uri="{FF2B5EF4-FFF2-40B4-BE49-F238E27FC236}">
-                <a16:creationId xmlns:a16="http://schemas.microsoft.com/office/drawing/2014/main" id="{AE4BAC88-6A2B-E578-4ABE-EF35CB42086C}"/>
-              </a:ext>
-            </a:extLst>
-          </p:cNvPr>
-          <p:cNvSpPr txBox="1"/>
-          <p:nvPr/>
-        </p:nvSpPr>
-        <p:spPr>
-          <a:xfrm>
-            <a:off x="5275244" y="6624808"/>
-            <a:ext cx="6801079" cy="230832"/>
-          </a:xfrm>
-          <a:prstGeom prst="rect">
-            <a:avLst/>
-          </a:prstGeom>
-          <a:noFill/>
-        </p:spPr>
-        <p:txBody>
-          <a:bodyPr rot="0" spcFirstLastPara="0" vertOverflow="overflow" horzOverflow="overflow" vert="horz" wrap="square" lIns="91440" tIns="45720" rIns="91440" bIns="45720" numCol="1" spcCol="0" rtlCol="0" fromWordArt="0" anchor="t" anchorCtr="0" forceAA="0" compatLnSpc="1">
-            <a:prstTxWarp prst="textNoShape">
-              <a:avLst/>
-            </a:prstTxWarp>
-            <a:spAutoFit/>
-          </a:bodyPr>
-          <a:lstStyle/>
-          <a:p>
-            <a:pPr algn="r"/>
-            <a:r>
-              <a:rPr lang="pt-PT" sz="900" dirty="0" err="1">
-                <a:solidFill>
-                  <a:srgbClr val="FFFFFF"/>
-                </a:solidFill>
-                <a:latin typeface="Times New Roman"/>
-                <a:cs typeface="Times New Roman"/>
-              </a:rPr>
-              <a:t>Session</a:t>
-            </a:r>
-            <a:r>
-              <a:rPr lang="pt-PT" sz="900" dirty="0">
-                <a:solidFill>
-                  <a:srgbClr val="FFFFFF"/>
-                </a:solidFill>
-                <a:latin typeface="Times New Roman"/>
-                <a:cs typeface="Times New Roman"/>
-              </a:rPr>
-              <a:t> 3</a:t>
-            </a:r>
-            <a:endParaRPr lang="pt-PT" dirty="0"/>
-          </a:p>
-        </p:txBody>
-      </p:sp>
       <p:pic>
         <p:nvPicPr>
           <p:cNvPr id="8" name="Imagem 7" descr="Uma imagem com texto, Tipo de letra, captura de ecrã, file&#10;&#10;Descrição gerada automaticamente">
@@ -14511,6 +14456,62 @@
           </a:prstGeom>
         </p:spPr>
       </p:pic>
+      <p:sp>
+        <p:nvSpPr>
+          <p:cNvPr id="11" name="CaixaDeTexto 10">
+            <a:extLst>
+              <a:ext uri="{FF2B5EF4-FFF2-40B4-BE49-F238E27FC236}">
+                <a16:creationId xmlns:a16="http://schemas.microsoft.com/office/drawing/2014/main" id="{5C5D6B97-39D9-A141-43FC-33BBE81C2076}"/>
+              </a:ext>
+            </a:extLst>
+          </p:cNvPr>
+          <p:cNvSpPr txBox="1"/>
+          <p:nvPr/>
+        </p:nvSpPr>
+        <p:spPr>
+          <a:xfrm>
+            <a:off x="5275244" y="6624808"/>
+            <a:ext cx="6801079" cy="230832"/>
+          </a:xfrm>
+          <a:prstGeom prst="rect">
+            <a:avLst/>
+          </a:prstGeom>
+          <a:noFill/>
+        </p:spPr>
+        <p:txBody>
+          <a:bodyPr rot="0" spcFirstLastPara="0" vertOverflow="overflow" horzOverflow="overflow" vert="horz" wrap="square" lIns="91440" tIns="45720" rIns="91440" bIns="45720" numCol="1" spcCol="0" rtlCol="0" fromWordArt="0" anchor="t" anchorCtr="0" forceAA="0" compatLnSpc="1">
+            <a:prstTxWarp prst="textNoShape">
+              <a:avLst/>
+            </a:prstTxWarp>
+            <a:spAutoFit/>
+          </a:bodyPr>
+          <a:lstStyle/>
+          <a:p>
+            <a:pPr algn="r"/>
+            <a:r>
+              <a:rPr lang="pt-PT" sz="900" dirty="0" err="1">
+                <a:solidFill>
+                  <a:srgbClr val="FFFFFF"/>
+                </a:solidFill>
+                <a:latin typeface="Times New Roman"/>
+                <a:cs typeface="Times New Roman"/>
+              </a:rPr>
+              <a:t>Session</a:t>
+            </a:r>
+            <a:r>
+              <a:rPr lang="pt-PT" sz="900" dirty="0">
+                <a:solidFill>
+                  <a:srgbClr val="FFFFFF"/>
+                </a:solidFill>
+                <a:latin typeface="Times New Roman"/>
+                <a:cs typeface="Times New Roman"/>
+              </a:rPr>
+              <a:t> 4</a:t>
+            </a:r>
+            <a:endParaRPr lang="pt-PT" dirty="0"/>
+          </a:p>
+        </p:txBody>
+      </p:sp>
     </p:spTree>
     <p:extLst>
       <p:ext uri="{BB962C8B-B14F-4D97-AF65-F5344CB8AC3E}">
@@ -15145,62 +15146,6 @@
           </a:p>
         </p:txBody>
       </p:sp>
-      <p:sp>
-        <p:nvSpPr>
-          <p:cNvPr id="6" name="CaixaDeTexto 5">
-            <a:extLst>
-              <a:ext uri="{FF2B5EF4-FFF2-40B4-BE49-F238E27FC236}">
-                <a16:creationId xmlns:a16="http://schemas.microsoft.com/office/drawing/2014/main" id="{AE4BAC88-6A2B-E578-4ABE-EF35CB42086C}"/>
-              </a:ext>
-            </a:extLst>
-          </p:cNvPr>
-          <p:cNvSpPr txBox="1"/>
-          <p:nvPr/>
-        </p:nvSpPr>
-        <p:spPr>
-          <a:xfrm>
-            <a:off x="5275244" y="6624808"/>
-            <a:ext cx="6801079" cy="230832"/>
-          </a:xfrm>
-          <a:prstGeom prst="rect">
-            <a:avLst/>
-          </a:prstGeom>
-          <a:noFill/>
-        </p:spPr>
-        <p:txBody>
-          <a:bodyPr rot="0" spcFirstLastPara="0" vertOverflow="overflow" horzOverflow="overflow" vert="horz" wrap="square" lIns="91440" tIns="45720" rIns="91440" bIns="45720" numCol="1" spcCol="0" rtlCol="0" fromWordArt="0" anchor="t" anchorCtr="0" forceAA="0" compatLnSpc="1">
-            <a:prstTxWarp prst="textNoShape">
-              <a:avLst/>
-            </a:prstTxWarp>
-            <a:spAutoFit/>
-          </a:bodyPr>
-          <a:lstStyle/>
-          <a:p>
-            <a:pPr algn="r"/>
-            <a:r>
-              <a:rPr lang="pt-PT" sz="900" dirty="0" err="1">
-                <a:solidFill>
-                  <a:srgbClr val="FFFFFF"/>
-                </a:solidFill>
-                <a:latin typeface="Times New Roman"/>
-                <a:cs typeface="Times New Roman"/>
-              </a:rPr>
-              <a:t>Session</a:t>
-            </a:r>
-            <a:r>
-              <a:rPr lang="pt-PT" sz="900" dirty="0">
-                <a:solidFill>
-                  <a:srgbClr val="FFFFFF"/>
-                </a:solidFill>
-                <a:latin typeface="Times New Roman"/>
-                <a:cs typeface="Times New Roman"/>
-              </a:rPr>
-              <a:t> 3</a:t>
-            </a:r>
-            <a:endParaRPr lang="pt-PT" dirty="0"/>
-          </a:p>
-        </p:txBody>
-      </p:sp>
       <p:pic>
         <p:nvPicPr>
           <p:cNvPr id="8" name="Imagem 7" descr="Uma imagem com texto, captura de ecrã, menu, Tipo de letra&#10;&#10;Descrição gerada automaticamente">
@@ -15231,6 +15176,62 @@
           </a:prstGeom>
         </p:spPr>
       </p:pic>
+      <p:sp>
+        <p:nvSpPr>
+          <p:cNvPr id="10" name="CaixaDeTexto 9">
+            <a:extLst>
+              <a:ext uri="{FF2B5EF4-FFF2-40B4-BE49-F238E27FC236}">
+                <a16:creationId xmlns:a16="http://schemas.microsoft.com/office/drawing/2014/main" id="{CE824ACF-3D20-9F3F-F9AA-92A561AA5EB2}"/>
+              </a:ext>
+            </a:extLst>
+          </p:cNvPr>
+          <p:cNvSpPr txBox="1"/>
+          <p:nvPr/>
+        </p:nvSpPr>
+        <p:spPr>
+          <a:xfrm>
+            <a:off x="5275244" y="6624808"/>
+            <a:ext cx="6801079" cy="230832"/>
+          </a:xfrm>
+          <a:prstGeom prst="rect">
+            <a:avLst/>
+          </a:prstGeom>
+          <a:noFill/>
+        </p:spPr>
+        <p:txBody>
+          <a:bodyPr rot="0" spcFirstLastPara="0" vertOverflow="overflow" horzOverflow="overflow" vert="horz" wrap="square" lIns="91440" tIns="45720" rIns="91440" bIns="45720" numCol="1" spcCol="0" rtlCol="0" fromWordArt="0" anchor="t" anchorCtr="0" forceAA="0" compatLnSpc="1">
+            <a:prstTxWarp prst="textNoShape">
+              <a:avLst/>
+            </a:prstTxWarp>
+            <a:spAutoFit/>
+          </a:bodyPr>
+          <a:lstStyle/>
+          <a:p>
+            <a:pPr algn="r"/>
+            <a:r>
+              <a:rPr lang="pt-PT" sz="900" dirty="0" err="1">
+                <a:solidFill>
+                  <a:srgbClr val="FFFFFF"/>
+                </a:solidFill>
+                <a:latin typeface="Times New Roman"/>
+                <a:cs typeface="Times New Roman"/>
+              </a:rPr>
+              <a:t>Session</a:t>
+            </a:r>
+            <a:r>
+              <a:rPr lang="pt-PT" sz="900" dirty="0">
+                <a:solidFill>
+                  <a:srgbClr val="FFFFFF"/>
+                </a:solidFill>
+                <a:latin typeface="Times New Roman"/>
+                <a:cs typeface="Times New Roman"/>
+              </a:rPr>
+              <a:t> 4</a:t>
+            </a:r>
+            <a:endParaRPr lang="pt-PT" dirty="0"/>
+          </a:p>
+        </p:txBody>
+      </p:sp>
     </p:spTree>
     <p:extLst>
       <p:ext uri="{BB962C8B-B14F-4D97-AF65-F5344CB8AC3E}">
@@ -15598,62 +15599,6 @@
           </a:p>
         </p:txBody>
       </p:sp>
-      <p:sp>
-        <p:nvSpPr>
-          <p:cNvPr id="6" name="CaixaDeTexto 5">
-            <a:extLst>
-              <a:ext uri="{FF2B5EF4-FFF2-40B4-BE49-F238E27FC236}">
-                <a16:creationId xmlns:a16="http://schemas.microsoft.com/office/drawing/2014/main" id="{AE4BAC88-6A2B-E578-4ABE-EF35CB42086C}"/>
-              </a:ext>
-            </a:extLst>
-          </p:cNvPr>
-          <p:cNvSpPr txBox="1"/>
-          <p:nvPr/>
-        </p:nvSpPr>
-        <p:spPr>
-          <a:xfrm>
-            <a:off x="5275244" y="6624808"/>
-            <a:ext cx="6801079" cy="230832"/>
-          </a:xfrm>
-          <a:prstGeom prst="rect">
-            <a:avLst/>
-          </a:prstGeom>
-          <a:noFill/>
-        </p:spPr>
-        <p:txBody>
-          <a:bodyPr rot="0" spcFirstLastPara="0" vertOverflow="overflow" horzOverflow="overflow" vert="horz" wrap="square" lIns="91440" tIns="45720" rIns="91440" bIns="45720" numCol="1" spcCol="0" rtlCol="0" fromWordArt="0" anchor="t" anchorCtr="0" forceAA="0" compatLnSpc="1">
-            <a:prstTxWarp prst="textNoShape">
-              <a:avLst/>
-            </a:prstTxWarp>
-            <a:spAutoFit/>
-          </a:bodyPr>
-          <a:lstStyle/>
-          <a:p>
-            <a:pPr algn="r"/>
-            <a:r>
-              <a:rPr lang="pt-PT" sz="900" dirty="0" err="1">
-                <a:solidFill>
-                  <a:srgbClr val="FFFFFF"/>
-                </a:solidFill>
-                <a:latin typeface="Times New Roman"/>
-                <a:cs typeface="Times New Roman"/>
-              </a:rPr>
-              <a:t>Session</a:t>
-            </a:r>
-            <a:r>
-              <a:rPr lang="pt-PT" sz="900" dirty="0">
-                <a:solidFill>
-                  <a:srgbClr val="FFFFFF"/>
-                </a:solidFill>
-                <a:latin typeface="Times New Roman"/>
-                <a:cs typeface="Times New Roman"/>
-              </a:rPr>
-              <a:t> 3</a:t>
-            </a:r>
-            <a:endParaRPr lang="pt-PT" dirty="0"/>
-          </a:p>
-        </p:txBody>
-      </p:sp>
       <p:pic>
         <p:nvPicPr>
           <p:cNvPr id="8" name="Imagem 7" descr="Uma imagem com texto, captura de ecrã, software, ecrã&#10;&#10;Descrição gerada automaticamente">
@@ -15684,6 +15629,62 @@
           </a:prstGeom>
         </p:spPr>
       </p:pic>
+      <p:sp>
+        <p:nvSpPr>
+          <p:cNvPr id="12" name="CaixaDeTexto 11">
+            <a:extLst>
+              <a:ext uri="{FF2B5EF4-FFF2-40B4-BE49-F238E27FC236}">
+                <a16:creationId xmlns:a16="http://schemas.microsoft.com/office/drawing/2014/main" id="{88E0370E-AC84-74E9-C65C-EAD02BB2EAB6}"/>
+              </a:ext>
+            </a:extLst>
+          </p:cNvPr>
+          <p:cNvSpPr txBox="1"/>
+          <p:nvPr/>
+        </p:nvSpPr>
+        <p:spPr>
+          <a:xfrm>
+            <a:off x="5275244" y="6624808"/>
+            <a:ext cx="6801079" cy="230832"/>
+          </a:xfrm>
+          <a:prstGeom prst="rect">
+            <a:avLst/>
+          </a:prstGeom>
+          <a:noFill/>
+        </p:spPr>
+        <p:txBody>
+          <a:bodyPr rot="0" spcFirstLastPara="0" vertOverflow="overflow" horzOverflow="overflow" vert="horz" wrap="square" lIns="91440" tIns="45720" rIns="91440" bIns="45720" numCol="1" spcCol="0" rtlCol="0" fromWordArt="0" anchor="t" anchorCtr="0" forceAA="0" compatLnSpc="1">
+            <a:prstTxWarp prst="textNoShape">
+              <a:avLst/>
+            </a:prstTxWarp>
+            <a:spAutoFit/>
+          </a:bodyPr>
+          <a:lstStyle/>
+          <a:p>
+            <a:pPr algn="r"/>
+            <a:r>
+              <a:rPr lang="pt-PT" sz="900" dirty="0" err="1">
+                <a:solidFill>
+                  <a:srgbClr val="FFFFFF"/>
+                </a:solidFill>
+                <a:latin typeface="Times New Roman"/>
+                <a:cs typeface="Times New Roman"/>
+              </a:rPr>
+              <a:t>Session</a:t>
+            </a:r>
+            <a:r>
+              <a:rPr lang="pt-PT" sz="900" dirty="0">
+                <a:solidFill>
+                  <a:srgbClr val="FFFFFF"/>
+                </a:solidFill>
+                <a:latin typeface="Times New Roman"/>
+                <a:cs typeface="Times New Roman"/>
+              </a:rPr>
+              <a:t> 4</a:t>
+            </a:r>
+            <a:endParaRPr lang="pt-PT" dirty="0"/>
+          </a:p>
+        </p:txBody>
+      </p:sp>
     </p:spTree>
     <p:extLst>
       <p:ext uri="{BB962C8B-B14F-4D97-AF65-F5344CB8AC3E}">
@@ -16071,62 +16072,6 @@
           </a:p>
         </p:txBody>
       </p:sp>
-      <p:sp>
-        <p:nvSpPr>
-          <p:cNvPr id="6" name="CaixaDeTexto 5">
-            <a:extLst>
-              <a:ext uri="{FF2B5EF4-FFF2-40B4-BE49-F238E27FC236}">
-                <a16:creationId xmlns:a16="http://schemas.microsoft.com/office/drawing/2014/main" id="{AE4BAC88-6A2B-E578-4ABE-EF35CB42086C}"/>
-              </a:ext>
-            </a:extLst>
-          </p:cNvPr>
-          <p:cNvSpPr txBox="1"/>
-          <p:nvPr/>
-        </p:nvSpPr>
-        <p:spPr>
-          <a:xfrm>
-            <a:off x="5275244" y="6624808"/>
-            <a:ext cx="6801079" cy="230832"/>
-          </a:xfrm>
-          <a:prstGeom prst="rect">
-            <a:avLst/>
-          </a:prstGeom>
-          <a:noFill/>
-        </p:spPr>
-        <p:txBody>
-          <a:bodyPr rot="0" spcFirstLastPara="0" vertOverflow="overflow" horzOverflow="overflow" vert="horz" wrap="square" lIns="91440" tIns="45720" rIns="91440" bIns="45720" numCol="1" spcCol="0" rtlCol="0" fromWordArt="0" anchor="t" anchorCtr="0" forceAA="0" compatLnSpc="1">
-            <a:prstTxWarp prst="textNoShape">
-              <a:avLst/>
-            </a:prstTxWarp>
-            <a:spAutoFit/>
-          </a:bodyPr>
-          <a:lstStyle/>
-          <a:p>
-            <a:pPr algn="r"/>
-            <a:r>
-              <a:rPr lang="pt-PT" sz="900" dirty="0" err="1">
-                <a:solidFill>
-                  <a:srgbClr val="FFFFFF"/>
-                </a:solidFill>
-                <a:latin typeface="Times New Roman"/>
-                <a:cs typeface="Times New Roman"/>
-              </a:rPr>
-              <a:t>Session</a:t>
-            </a:r>
-            <a:r>
-              <a:rPr lang="pt-PT" sz="900" dirty="0">
-                <a:solidFill>
-                  <a:srgbClr val="FFFFFF"/>
-                </a:solidFill>
-                <a:latin typeface="Times New Roman"/>
-                <a:cs typeface="Times New Roman"/>
-              </a:rPr>
-              <a:t> 3</a:t>
-            </a:r>
-            <a:endParaRPr lang="pt-PT" dirty="0"/>
-          </a:p>
-        </p:txBody>
-      </p:sp>
       <p:pic>
         <p:nvPicPr>
           <p:cNvPr id="8" name="Imagem 7" descr="Uma imagem com texto, captura de ecrã, diagrama, Tipo de letra&#10;&#10;Descrição gerada automaticamente">
@@ -16157,6 +16102,62 @@
           </a:prstGeom>
         </p:spPr>
       </p:pic>
+      <p:sp>
+        <p:nvSpPr>
+          <p:cNvPr id="10" name="CaixaDeTexto 9">
+            <a:extLst>
+              <a:ext uri="{FF2B5EF4-FFF2-40B4-BE49-F238E27FC236}">
+                <a16:creationId xmlns:a16="http://schemas.microsoft.com/office/drawing/2014/main" id="{EEBA3116-EE7F-E321-440A-ECFF188090DF}"/>
+              </a:ext>
+            </a:extLst>
+          </p:cNvPr>
+          <p:cNvSpPr txBox="1"/>
+          <p:nvPr/>
+        </p:nvSpPr>
+        <p:spPr>
+          <a:xfrm>
+            <a:off x="5275244" y="6624808"/>
+            <a:ext cx="6801079" cy="230832"/>
+          </a:xfrm>
+          <a:prstGeom prst="rect">
+            <a:avLst/>
+          </a:prstGeom>
+          <a:noFill/>
+        </p:spPr>
+        <p:txBody>
+          <a:bodyPr rot="0" spcFirstLastPara="0" vertOverflow="overflow" horzOverflow="overflow" vert="horz" wrap="square" lIns="91440" tIns="45720" rIns="91440" bIns="45720" numCol="1" spcCol="0" rtlCol="0" fromWordArt="0" anchor="t" anchorCtr="0" forceAA="0" compatLnSpc="1">
+            <a:prstTxWarp prst="textNoShape">
+              <a:avLst/>
+            </a:prstTxWarp>
+            <a:spAutoFit/>
+          </a:bodyPr>
+          <a:lstStyle/>
+          <a:p>
+            <a:pPr algn="r"/>
+            <a:r>
+              <a:rPr lang="pt-PT" sz="900" dirty="0" err="1">
+                <a:solidFill>
+                  <a:srgbClr val="FFFFFF"/>
+                </a:solidFill>
+                <a:latin typeface="Times New Roman"/>
+                <a:cs typeface="Times New Roman"/>
+              </a:rPr>
+              <a:t>Session</a:t>
+            </a:r>
+            <a:r>
+              <a:rPr lang="pt-PT" sz="900" dirty="0">
+                <a:solidFill>
+                  <a:srgbClr val="FFFFFF"/>
+                </a:solidFill>
+                <a:latin typeface="Times New Roman"/>
+                <a:cs typeface="Times New Roman"/>
+              </a:rPr>
+              <a:t> 4</a:t>
+            </a:r>
+            <a:endParaRPr lang="pt-PT" dirty="0"/>
+          </a:p>
+        </p:txBody>
+      </p:sp>
     </p:spTree>
     <p:extLst>
       <p:ext uri="{BB962C8B-B14F-4D97-AF65-F5344CB8AC3E}">
@@ -16631,10 +16632,10 @@
       </p:sp>
       <p:sp>
         <p:nvSpPr>
-          <p:cNvPr id="6" name="CaixaDeTexto 5">
+          <p:cNvPr id="9" name="CaixaDeTexto 8">
             <a:extLst>
               <a:ext uri="{FF2B5EF4-FFF2-40B4-BE49-F238E27FC236}">
-                <a16:creationId xmlns:a16="http://schemas.microsoft.com/office/drawing/2014/main" id="{AE4BAC88-6A2B-E578-4ABE-EF35CB42086C}"/>
+                <a16:creationId xmlns:a16="http://schemas.microsoft.com/office/drawing/2014/main" id="{B61C5A48-C66E-FDB4-D12A-CA8750CC06F9}"/>
               </a:ext>
             </a:extLst>
           </p:cNvPr>
@@ -16679,7 +16680,7 @@
                 <a:latin typeface="Times New Roman"/>
                 <a:cs typeface="Times New Roman"/>
               </a:rPr>
-              <a:t> 3</a:t>
+              <a:t> 4</a:t>
             </a:r>
             <a:endParaRPr lang="pt-PT" dirty="0"/>
           </a:p>
@@ -16848,7 +16849,7 @@
               <a:t>  1. </a:t>
             </a:r>
             <a:r>
-              <a:rPr lang="pt-PT" sz="2600" err="1">
+              <a:rPr lang="pt-PT" sz="2600" dirty="0" err="1">
                 <a:ea typeface="+mn-lt"/>
                 <a:cs typeface="+mn-lt"/>
               </a:rPr>
@@ -16862,20 +16863,20 @@
               <a:t> </a:t>
             </a:r>
             <a:r>
-              <a:rPr lang="pt-PT" sz="2600" err="1">
+              <a:rPr lang="pt-PT" sz="2600" dirty="0" err="1">
                 <a:ea typeface="+mn-lt"/>
                 <a:cs typeface="+mn-lt"/>
               </a:rPr>
               <a:t>the</a:t>
             </a:r>
             <a:r>
-              <a:rPr lang="pt-PT" sz="2600">
+              <a:rPr lang="pt-PT" sz="2600" dirty="0">
                 <a:ea typeface="+mn-lt"/>
                 <a:cs typeface="+mn-lt"/>
               </a:rPr>
               <a:t> data</a:t>
             </a:r>
-            <a:endParaRPr lang="pt-PT">
+            <a:endParaRPr lang="pt-PT" dirty="0">
               <a:ea typeface="+mn-lt"/>
               <a:cs typeface="+mn-lt"/>
             </a:endParaRPr>
@@ -17061,14 +17062,14 @@
               <a:buNone/>
             </a:pPr>
             <a:r>
-              <a:rPr lang="pt-PT" sz="2600">
+              <a:rPr lang="pt-PT" sz="2600" dirty="0">
                 <a:ea typeface="+mn-lt"/>
                 <a:cs typeface="+mn-lt"/>
               </a:rPr>
               <a:t>  6. </a:t>
             </a:r>
             <a:r>
-              <a:rPr lang="pt-PT" sz="2600" err="1">
+              <a:rPr lang="pt-PT" sz="2600" dirty="0" err="1">
                 <a:ea typeface="+mn-lt"/>
                 <a:cs typeface="+mn-lt"/>
               </a:rPr>
@@ -17082,13 +17083,13 @@
               <a:t> </a:t>
             </a:r>
             <a:r>
-              <a:rPr lang="pt-PT" sz="2600" err="1">
+              <a:rPr lang="pt-PT" sz="2600" dirty="0" err="1">
                 <a:ea typeface="+mn-lt"/>
                 <a:cs typeface="+mn-lt"/>
               </a:rPr>
               <a:t>predictions</a:t>
             </a:r>
-            <a:endParaRPr lang="pt-PT"/>
+            <a:endParaRPr lang="pt-PT" dirty="0"/>
           </a:p>
           <a:p>
             <a:pPr lvl="1" algn="just">
@@ -17345,10 +17346,10 @@
       </p:sp>
       <p:sp>
         <p:nvSpPr>
-          <p:cNvPr id="6" name="CaixaDeTexto 5">
+          <p:cNvPr id="9" name="CaixaDeTexto 8">
             <a:extLst>
               <a:ext uri="{FF2B5EF4-FFF2-40B4-BE49-F238E27FC236}">
-                <a16:creationId xmlns:a16="http://schemas.microsoft.com/office/drawing/2014/main" id="{AE4BAC88-6A2B-E578-4ABE-EF35CB42086C}"/>
+                <a16:creationId xmlns:a16="http://schemas.microsoft.com/office/drawing/2014/main" id="{F2A3412A-E792-3E64-CDF5-7F290E069337}"/>
               </a:ext>
             </a:extLst>
           </p:cNvPr>
@@ -17393,7 +17394,7 @@
                 <a:latin typeface="Times New Roman"/>
                 <a:cs typeface="Times New Roman"/>
               </a:rPr>
-              <a:t> 3</a:t>
+              <a:t> 4</a:t>
             </a:r>
             <a:endParaRPr lang="pt-PT" dirty="0"/>
           </a:p>
@@ -17781,7 +17782,7 @@
                 <a:latin typeface="Times New Roman"/>
                 <a:cs typeface="Times New Roman"/>
               </a:rPr>
-              <a:t> 3</a:t>
+              <a:t> 4</a:t>
             </a:r>
             <a:endParaRPr lang="pt-PT" dirty="0"/>
           </a:p>
@@ -18449,10 +18450,10 @@
       </p:sp>
       <p:sp>
         <p:nvSpPr>
-          <p:cNvPr id="6" name="CaixaDeTexto 5">
+          <p:cNvPr id="9" name="CaixaDeTexto 8">
             <a:extLst>
               <a:ext uri="{FF2B5EF4-FFF2-40B4-BE49-F238E27FC236}">
-                <a16:creationId xmlns:a16="http://schemas.microsoft.com/office/drawing/2014/main" id="{AE4BAC88-6A2B-E578-4ABE-EF35CB42086C}"/>
+                <a16:creationId xmlns:a16="http://schemas.microsoft.com/office/drawing/2014/main" id="{44CB7285-7F4C-3B20-7EED-8B002111FFAD}"/>
               </a:ext>
             </a:extLst>
           </p:cNvPr>
@@ -18497,7 +18498,7 @@
                 <a:latin typeface="Times New Roman"/>
                 <a:cs typeface="Times New Roman"/>
               </a:rPr>
-              <a:t> 3</a:t>
+              <a:t> 4</a:t>
             </a:r>
             <a:endParaRPr lang="pt-PT" dirty="0"/>
           </a:p>
@@ -18835,62 +18836,6 @@
           </a:p>
         </p:txBody>
       </p:sp>
-      <p:sp>
-        <p:nvSpPr>
-          <p:cNvPr id="6" name="CaixaDeTexto 5">
-            <a:extLst>
-              <a:ext uri="{FF2B5EF4-FFF2-40B4-BE49-F238E27FC236}">
-                <a16:creationId xmlns:a16="http://schemas.microsoft.com/office/drawing/2014/main" id="{AE4BAC88-6A2B-E578-4ABE-EF35CB42086C}"/>
-              </a:ext>
-            </a:extLst>
-          </p:cNvPr>
-          <p:cNvSpPr txBox="1"/>
-          <p:nvPr/>
-        </p:nvSpPr>
-        <p:spPr>
-          <a:xfrm>
-            <a:off x="5275244" y="6624808"/>
-            <a:ext cx="6801079" cy="230832"/>
-          </a:xfrm>
-          <a:prstGeom prst="rect">
-            <a:avLst/>
-          </a:prstGeom>
-          <a:noFill/>
-        </p:spPr>
-        <p:txBody>
-          <a:bodyPr rot="0" spcFirstLastPara="0" vertOverflow="overflow" horzOverflow="overflow" vert="horz" wrap="square" lIns="91440" tIns="45720" rIns="91440" bIns="45720" numCol="1" spcCol="0" rtlCol="0" fromWordArt="0" anchor="t" anchorCtr="0" forceAA="0" compatLnSpc="1">
-            <a:prstTxWarp prst="textNoShape">
-              <a:avLst/>
-            </a:prstTxWarp>
-            <a:spAutoFit/>
-          </a:bodyPr>
-          <a:lstStyle/>
-          <a:p>
-            <a:pPr algn="r"/>
-            <a:r>
-              <a:rPr lang="pt-PT" sz="900" dirty="0" err="1">
-                <a:solidFill>
-                  <a:srgbClr val="FFFFFF"/>
-                </a:solidFill>
-                <a:latin typeface="Times New Roman"/>
-                <a:cs typeface="Times New Roman"/>
-              </a:rPr>
-              <a:t>Session</a:t>
-            </a:r>
-            <a:r>
-              <a:rPr lang="pt-PT" sz="900" dirty="0">
-                <a:solidFill>
-                  <a:srgbClr val="FFFFFF"/>
-                </a:solidFill>
-                <a:latin typeface="Times New Roman"/>
-                <a:cs typeface="Times New Roman"/>
-              </a:rPr>
-              <a:t> 3</a:t>
-            </a:r>
-            <a:endParaRPr lang="pt-PT" dirty="0"/>
-          </a:p>
-        </p:txBody>
-      </p:sp>
       <p:pic>
         <p:nvPicPr>
           <p:cNvPr id="10" name="Marcador de Posição de Conteúdo 9" descr="Uma imagem com texto, captura de ecrã, Tipo de letra&#10;&#10;Descrição gerada automaticamente">
@@ -18919,6 +18864,62 @@
           </a:xfrm>
         </p:spPr>
       </p:pic>
+      <p:sp>
+        <p:nvSpPr>
+          <p:cNvPr id="8" name="CaixaDeTexto 7">
+            <a:extLst>
+              <a:ext uri="{FF2B5EF4-FFF2-40B4-BE49-F238E27FC236}">
+                <a16:creationId xmlns:a16="http://schemas.microsoft.com/office/drawing/2014/main" id="{D47DBCED-8DE1-13DC-C7C9-1E95E2BE4F9E}"/>
+              </a:ext>
+            </a:extLst>
+          </p:cNvPr>
+          <p:cNvSpPr txBox="1"/>
+          <p:nvPr/>
+        </p:nvSpPr>
+        <p:spPr>
+          <a:xfrm>
+            <a:off x="5275244" y="6624808"/>
+            <a:ext cx="6801079" cy="230832"/>
+          </a:xfrm>
+          <a:prstGeom prst="rect">
+            <a:avLst/>
+          </a:prstGeom>
+          <a:noFill/>
+        </p:spPr>
+        <p:txBody>
+          <a:bodyPr rot="0" spcFirstLastPara="0" vertOverflow="overflow" horzOverflow="overflow" vert="horz" wrap="square" lIns="91440" tIns="45720" rIns="91440" bIns="45720" numCol="1" spcCol="0" rtlCol="0" fromWordArt="0" anchor="t" anchorCtr="0" forceAA="0" compatLnSpc="1">
+            <a:prstTxWarp prst="textNoShape">
+              <a:avLst/>
+            </a:prstTxWarp>
+            <a:spAutoFit/>
+          </a:bodyPr>
+          <a:lstStyle/>
+          <a:p>
+            <a:pPr algn="r"/>
+            <a:r>
+              <a:rPr lang="pt-PT" sz="900" dirty="0" err="1">
+                <a:solidFill>
+                  <a:srgbClr val="FFFFFF"/>
+                </a:solidFill>
+                <a:latin typeface="Times New Roman"/>
+                <a:cs typeface="Times New Roman"/>
+              </a:rPr>
+              <a:t>Session</a:t>
+            </a:r>
+            <a:r>
+              <a:rPr lang="pt-PT" sz="900" dirty="0">
+                <a:solidFill>
+                  <a:srgbClr val="FFFFFF"/>
+                </a:solidFill>
+                <a:latin typeface="Times New Roman"/>
+                <a:cs typeface="Times New Roman"/>
+              </a:rPr>
+              <a:t> 4</a:t>
+            </a:r>
+            <a:endParaRPr lang="pt-PT" dirty="0"/>
+          </a:p>
+        </p:txBody>
+      </p:sp>
     </p:spTree>
     <p:extLst>
       <p:ext uri="{BB962C8B-B14F-4D97-AF65-F5344CB8AC3E}">
@@ -19785,10 +19786,10 @@
       </p:sp>
       <p:sp>
         <p:nvSpPr>
-          <p:cNvPr id="6" name="CaixaDeTexto 5">
+          <p:cNvPr id="9" name="CaixaDeTexto 8">
             <a:extLst>
               <a:ext uri="{FF2B5EF4-FFF2-40B4-BE49-F238E27FC236}">
-                <a16:creationId xmlns:a16="http://schemas.microsoft.com/office/drawing/2014/main" id="{AE4BAC88-6A2B-E578-4ABE-EF35CB42086C}"/>
+                <a16:creationId xmlns:a16="http://schemas.microsoft.com/office/drawing/2014/main" id="{3EAA1FE3-8DE5-9D11-5321-84C04BAFBA6F}"/>
               </a:ext>
             </a:extLst>
           </p:cNvPr>
@@ -19833,7 +19834,7 @@
                 <a:latin typeface="Times New Roman"/>
                 <a:cs typeface="Times New Roman"/>
               </a:rPr>
-              <a:t> 3</a:t>
+              <a:t> 4</a:t>
             </a:r>
             <a:endParaRPr lang="pt-PT" dirty="0"/>
           </a:p>
@@ -20698,62 +20699,6 @@
           </a:p>
         </p:txBody>
       </p:sp>
-      <p:sp>
-        <p:nvSpPr>
-          <p:cNvPr id="6" name="CaixaDeTexto 5">
-            <a:extLst>
-              <a:ext uri="{FF2B5EF4-FFF2-40B4-BE49-F238E27FC236}">
-                <a16:creationId xmlns:a16="http://schemas.microsoft.com/office/drawing/2014/main" id="{AE4BAC88-6A2B-E578-4ABE-EF35CB42086C}"/>
-              </a:ext>
-            </a:extLst>
-          </p:cNvPr>
-          <p:cNvSpPr txBox="1"/>
-          <p:nvPr/>
-        </p:nvSpPr>
-        <p:spPr>
-          <a:xfrm>
-            <a:off x="5275244" y="6624808"/>
-            <a:ext cx="6801079" cy="230832"/>
-          </a:xfrm>
-          <a:prstGeom prst="rect">
-            <a:avLst/>
-          </a:prstGeom>
-          <a:noFill/>
-        </p:spPr>
-        <p:txBody>
-          <a:bodyPr rot="0" spcFirstLastPara="0" vertOverflow="overflow" horzOverflow="overflow" vert="horz" wrap="square" lIns="91440" tIns="45720" rIns="91440" bIns="45720" numCol="1" spcCol="0" rtlCol="0" fromWordArt="0" anchor="t" anchorCtr="0" forceAA="0" compatLnSpc="1">
-            <a:prstTxWarp prst="textNoShape">
-              <a:avLst/>
-            </a:prstTxWarp>
-            <a:spAutoFit/>
-          </a:bodyPr>
-          <a:lstStyle/>
-          <a:p>
-            <a:pPr algn="r"/>
-            <a:r>
-              <a:rPr lang="pt-PT" sz="900" dirty="0" err="1">
-                <a:solidFill>
-                  <a:srgbClr val="FFFFFF"/>
-                </a:solidFill>
-                <a:latin typeface="Times New Roman"/>
-                <a:cs typeface="Times New Roman"/>
-              </a:rPr>
-              <a:t>Session</a:t>
-            </a:r>
-            <a:r>
-              <a:rPr lang="pt-PT" sz="900" dirty="0">
-                <a:solidFill>
-                  <a:srgbClr val="FFFFFF"/>
-                </a:solidFill>
-                <a:latin typeface="Times New Roman"/>
-                <a:cs typeface="Times New Roman"/>
-              </a:rPr>
-              <a:t> 3</a:t>
-            </a:r>
-            <a:endParaRPr lang="pt-PT" dirty="0"/>
-          </a:p>
-        </p:txBody>
-      </p:sp>
       <p:pic>
         <p:nvPicPr>
           <p:cNvPr id="8" name="Imagem 7" descr="Uma imagem com texto, captura de ecrã, Tipo de letra&#10;&#10;Descrição gerada automaticamente">
@@ -20814,6 +20759,62 @@
           </a:prstGeom>
         </p:spPr>
       </p:pic>
+      <p:sp>
+        <p:nvSpPr>
+          <p:cNvPr id="11" name="CaixaDeTexto 10">
+            <a:extLst>
+              <a:ext uri="{FF2B5EF4-FFF2-40B4-BE49-F238E27FC236}">
+                <a16:creationId xmlns:a16="http://schemas.microsoft.com/office/drawing/2014/main" id="{5405BED2-F52E-5955-A456-E20815A601A2}"/>
+              </a:ext>
+            </a:extLst>
+          </p:cNvPr>
+          <p:cNvSpPr txBox="1"/>
+          <p:nvPr/>
+        </p:nvSpPr>
+        <p:spPr>
+          <a:xfrm>
+            <a:off x="5275244" y="6624808"/>
+            <a:ext cx="6801079" cy="230832"/>
+          </a:xfrm>
+          <a:prstGeom prst="rect">
+            <a:avLst/>
+          </a:prstGeom>
+          <a:noFill/>
+        </p:spPr>
+        <p:txBody>
+          <a:bodyPr rot="0" spcFirstLastPara="0" vertOverflow="overflow" horzOverflow="overflow" vert="horz" wrap="square" lIns="91440" tIns="45720" rIns="91440" bIns="45720" numCol="1" spcCol="0" rtlCol="0" fromWordArt="0" anchor="t" anchorCtr="0" forceAA="0" compatLnSpc="1">
+            <a:prstTxWarp prst="textNoShape">
+              <a:avLst/>
+            </a:prstTxWarp>
+            <a:spAutoFit/>
+          </a:bodyPr>
+          <a:lstStyle/>
+          <a:p>
+            <a:pPr algn="r"/>
+            <a:r>
+              <a:rPr lang="pt-PT" sz="900" dirty="0" err="1">
+                <a:solidFill>
+                  <a:srgbClr val="FFFFFF"/>
+                </a:solidFill>
+                <a:latin typeface="Times New Roman"/>
+                <a:cs typeface="Times New Roman"/>
+              </a:rPr>
+              <a:t>Session</a:t>
+            </a:r>
+            <a:r>
+              <a:rPr lang="pt-PT" sz="900" dirty="0">
+                <a:solidFill>
+                  <a:srgbClr val="FFFFFF"/>
+                </a:solidFill>
+                <a:latin typeface="Times New Roman"/>
+                <a:cs typeface="Times New Roman"/>
+              </a:rPr>
+              <a:t> 4</a:t>
+            </a:r>
+            <a:endParaRPr lang="pt-PT" dirty="0"/>
+          </a:p>
+        </p:txBody>
+      </p:sp>
     </p:spTree>
     <p:extLst>
       <p:ext uri="{BB962C8B-B14F-4D97-AF65-F5344CB8AC3E}">
@@ -21650,62 +21651,6 @@
               </a:rPr>
               <a:t>PyTorch</a:t>
             </a:r>
-          </a:p>
-        </p:txBody>
-      </p:sp>
-      <p:sp>
-        <p:nvSpPr>
-          <p:cNvPr id="6" name="CaixaDeTexto 5">
-            <a:extLst>
-              <a:ext uri="{FF2B5EF4-FFF2-40B4-BE49-F238E27FC236}">
-                <a16:creationId xmlns:a16="http://schemas.microsoft.com/office/drawing/2014/main" id="{AE4BAC88-6A2B-E578-4ABE-EF35CB42086C}"/>
-              </a:ext>
-            </a:extLst>
-          </p:cNvPr>
-          <p:cNvSpPr txBox="1"/>
-          <p:nvPr/>
-        </p:nvSpPr>
-        <p:spPr>
-          <a:xfrm>
-            <a:off x="5275244" y="6624808"/>
-            <a:ext cx="6801079" cy="230832"/>
-          </a:xfrm>
-          <a:prstGeom prst="rect">
-            <a:avLst/>
-          </a:prstGeom>
-          <a:noFill/>
-        </p:spPr>
-        <p:txBody>
-          <a:bodyPr rot="0" spcFirstLastPara="0" vertOverflow="overflow" horzOverflow="overflow" vert="horz" wrap="square" lIns="91440" tIns="45720" rIns="91440" bIns="45720" numCol="1" spcCol="0" rtlCol="0" fromWordArt="0" anchor="t" anchorCtr="0" forceAA="0" compatLnSpc="1">
-            <a:prstTxWarp prst="textNoShape">
-              <a:avLst/>
-            </a:prstTxWarp>
-            <a:spAutoFit/>
-          </a:bodyPr>
-          <a:lstStyle/>
-          <a:p>
-            <a:pPr algn="r"/>
-            <a:r>
-              <a:rPr lang="pt-PT" sz="900" dirty="0" err="1">
-                <a:solidFill>
-                  <a:srgbClr val="FFFFFF"/>
-                </a:solidFill>
-                <a:latin typeface="Times New Roman"/>
-                <a:cs typeface="Times New Roman"/>
-              </a:rPr>
-              <a:t>Session</a:t>
-            </a:r>
-            <a:r>
-              <a:rPr lang="pt-PT" sz="900" dirty="0">
-                <a:solidFill>
-                  <a:srgbClr val="FFFFFF"/>
-                </a:solidFill>
-                <a:latin typeface="Times New Roman"/>
-                <a:cs typeface="Times New Roman"/>
-              </a:rPr>
-              <a:t> 3</a:t>
-            </a:r>
-            <a:endParaRPr lang="pt-PT" dirty="0"/>
           </a:p>
         </p:txBody>
       </p:sp>
@@ -21845,6 +21790,62 @@
           </a:p>
         </p:txBody>
       </p:sp>
+      <p:sp>
+        <p:nvSpPr>
+          <p:cNvPr id="13" name="CaixaDeTexto 12">
+            <a:extLst>
+              <a:ext uri="{FF2B5EF4-FFF2-40B4-BE49-F238E27FC236}">
+                <a16:creationId xmlns:a16="http://schemas.microsoft.com/office/drawing/2014/main" id="{CC1A6D07-92D6-BE11-A425-3FE4E730AADB}"/>
+              </a:ext>
+            </a:extLst>
+          </p:cNvPr>
+          <p:cNvSpPr txBox="1"/>
+          <p:nvPr/>
+        </p:nvSpPr>
+        <p:spPr>
+          <a:xfrm>
+            <a:off x="5275244" y="6624808"/>
+            <a:ext cx="6801079" cy="230832"/>
+          </a:xfrm>
+          <a:prstGeom prst="rect">
+            <a:avLst/>
+          </a:prstGeom>
+          <a:noFill/>
+        </p:spPr>
+        <p:txBody>
+          <a:bodyPr rot="0" spcFirstLastPara="0" vertOverflow="overflow" horzOverflow="overflow" vert="horz" wrap="square" lIns="91440" tIns="45720" rIns="91440" bIns="45720" numCol="1" spcCol="0" rtlCol="0" fromWordArt="0" anchor="t" anchorCtr="0" forceAA="0" compatLnSpc="1">
+            <a:prstTxWarp prst="textNoShape">
+              <a:avLst/>
+            </a:prstTxWarp>
+            <a:spAutoFit/>
+          </a:bodyPr>
+          <a:lstStyle/>
+          <a:p>
+            <a:pPr algn="r"/>
+            <a:r>
+              <a:rPr lang="pt-PT" sz="900" dirty="0" err="1">
+                <a:solidFill>
+                  <a:srgbClr val="FFFFFF"/>
+                </a:solidFill>
+                <a:latin typeface="Times New Roman"/>
+                <a:cs typeface="Times New Roman"/>
+              </a:rPr>
+              <a:t>Session</a:t>
+            </a:r>
+            <a:r>
+              <a:rPr lang="pt-PT" sz="900" dirty="0">
+                <a:solidFill>
+                  <a:srgbClr val="FFFFFF"/>
+                </a:solidFill>
+                <a:latin typeface="Times New Roman"/>
+                <a:cs typeface="Times New Roman"/>
+              </a:rPr>
+              <a:t> 4</a:t>
+            </a:r>
+            <a:endParaRPr lang="pt-PT" dirty="0"/>
+          </a:p>
+        </p:txBody>
+      </p:sp>
     </p:spTree>
     <p:extLst>
       <p:ext uri="{BB962C8B-B14F-4D97-AF65-F5344CB8AC3E}">
@@ -22610,62 +22611,6 @@
           </a:p>
         </p:txBody>
       </p:sp>
-      <p:sp>
-        <p:nvSpPr>
-          <p:cNvPr id="6" name="CaixaDeTexto 5">
-            <a:extLst>
-              <a:ext uri="{FF2B5EF4-FFF2-40B4-BE49-F238E27FC236}">
-                <a16:creationId xmlns:a16="http://schemas.microsoft.com/office/drawing/2014/main" id="{AE4BAC88-6A2B-E578-4ABE-EF35CB42086C}"/>
-              </a:ext>
-            </a:extLst>
-          </p:cNvPr>
-          <p:cNvSpPr txBox="1"/>
-          <p:nvPr/>
-        </p:nvSpPr>
-        <p:spPr>
-          <a:xfrm>
-            <a:off x="5275244" y="6624808"/>
-            <a:ext cx="6801079" cy="230832"/>
-          </a:xfrm>
-          <a:prstGeom prst="rect">
-            <a:avLst/>
-          </a:prstGeom>
-          <a:noFill/>
-        </p:spPr>
-        <p:txBody>
-          <a:bodyPr rot="0" spcFirstLastPara="0" vertOverflow="overflow" horzOverflow="overflow" vert="horz" wrap="square" lIns="91440" tIns="45720" rIns="91440" bIns="45720" numCol="1" spcCol="0" rtlCol="0" fromWordArt="0" anchor="t" anchorCtr="0" forceAA="0" compatLnSpc="1">
-            <a:prstTxWarp prst="textNoShape">
-              <a:avLst/>
-            </a:prstTxWarp>
-            <a:spAutoFit/>
-          </a:bodyPr>
-          <a:lstStyle/>
-          <a:p>
-            <a:pPr algn="r"/>
-            <a:r>
-              <a:rPr lang="pt-PT" sz="900" dirty="0" err="1">
-                <a:solidFill>
-                  <a:srgbClr val="FFFFFF"/>
-                </a:solidFill>
-                <a:latin typeface="Times New Roman"/>
-                <a:cs typeface="Times New Roman"/>
-              </a:rPr>
-              <a:t>Session</a:t>
-            </a:r>
-            <a:r>
-              <a:rPr lang="pt-PT" sz="900" dirty="0">
-                <a:solidFill>
-                  <a:srgbClr val="FFFFFF"/>
-                </a:solidFill>
-                <a:latin typeface="Times New Roman"/>
-                <a:cs typeface="Times New Roman"/>
-              </a:rPr>
-              <a:t> 3</a:t>
-            </a:r>
-            <a:endParaRPr lang="pt-PT" dirty="0"/>
-          </a:p>
-        </p:txBody>
-      </p:sp>
       <p:pic>
         <p:nvPicPr>
           <p:cNvPr id="8" name="Imagem 7" descr="Uma imagem com texto, captura de ecrã, Tipo de letra&#10;&#10;Descrição gerada automaticamente">
@@ -22726,6 +22671,62 @@
           </a:prstGeom>
         </p:spPr>
       </p:pic>
+      <p:sp>
+        <p:nvSpPr>
+          <p:cNvPr id="11" name="CaixaDeTexto 10">
+            <a:extLst>
+              <a:ext uri="{FF2B5EF4-FFF2-40B4-BE49-F238E27FC236}">
+                <a16:creationId xmlns:a16="http://schemas.microsoft.com/office/drawing/2014/main" id="{CE1B86DF-F8FB-CA91-2EEB-FFE8697C81A4}"/>
+              </a:ext>
+            </a:extLst>
+          </p:cNvPr>
+          <p:cNvSpPr txBox="1"/>
+          <p:nvPr/>
+        </p:nvSpPr>
+        <p:spPr>
+          <a:xfrm>
+            <a:off x="5275244" y="6624808"/>
+            <a:ext cx="6801079" cy="230832"/>
+          </a:xfrm>
+          <a:prstGeom prst="rect">
+            <a:avLst/>
+          </a:prstGeom>
+          <a:noFill/>
+        </p:spPr>
+        <p:txBody>
+          <a:bodyPr rot="0" spcFirstLastPara="0" vertOverflow="overflow" horzOverflow="overflow" vert="horz" wrap="square" lIns="91440" tIns="45720" rIns="91440" bIns="45720" numCol="1" spcCol="0" rtlCol="0" fromWordArt="0" anchor="t" anchorCtr="0" forceAA="0" compatLnSpc="1">
+            <a:prstTxWarp prst="textNoShape">
+              <a:avLst/>
+            </a:prstTxWarp>
+            <a:spAutoFit/>
+          </a:bodyPr>
+          <a:lstStyle/>
+          <a:p>
+            <a:pPr algn="r"/>
+            <a:r>
+              <a:rPr lang="pt-PT" sz="900" dirty="0" err="1">
+                <a:solidFill>
+                  <a:srgbClr val="FFFFFF"/>
+                </a:solidFill>
+                <a:latin typeface="Times New Roman"/>
+                <a:cs typeface="Times New Roman"/>
+              </a:rPr>
+              <a:t>Session</a:t>
+            </a:r>
+            <a:r>
+              <a:rPr lang="pt-PT" sz="900" dirty="0">
+                <a:solidFill>
+                  <a:srgbClr val="FFFFFF"/>
+                </a:solidFill>
+                <a:latin typeface="Times New Roman"/>
+                <a:cs typeface="Times New Roman"/>
+              </a:rPr>
+              <a:t> 4</a:t>
+            </a:r>
+            <a:endParaRPr lang="pt-PT" dirty="0"/>
+          </a:p>
+        </p:txBody>
+      </p:sp>
     </p:spTree>
     <p:extLst>
       <p:ext uri="{BB962C8B-B14F-4D97-AF65-F5344CB8AC3E}">
